--- a/Milestone02.pptx
+++ b/Milestone02.pptx
@@ -5,7 +5,7 @@
     <p:sldMasterId id="2147483648" r:id="rId1"/>
   </p:sldMasterIdLst>
   <p:notesMasterIdLst>
-    <p:notesMasterId r:id="rId21"/>
+    <p:notesMasterId r:id="rId23"/>
   </p:notesMasterIdLst>
   <p:sldIdLst>
     <p:sldId id="257" r:id="rId2"/>
@@ -21,12 +21,14 @@
     <p:sldId id="302" r:id="rId12"/>
     <p:sldId id="304" r:id="rId13"/>
     <p:sldId id="303" r:id="rId14"/>
-    <p:sldId id="310" r:id="rId15"/>
-    <p:sldId id="307" r:id="rId16"/>
-    <p:sldId id="312" r:id="rId17"/>
-    <p:sldId id="305" r:id="rId18"/>
-    <p:sldId id="311" r:id="rId19"/>
-    <p:sldId id="296" r:id="rId20"/>
+    <p:sldId id="313" r:id="rId15"/>
+    <p:sldId id="310" r:id="rId16"/>
+    <p:sldId id="307" r:id="rId17"/>
+    <p:sldId id="315" r:id="rId18"/>
+    <p:sldId id="312" r:id="rId19"/>
+    <p:sldId id="305" r:id="rId20"/>
+    <p:sldId id="311" r:id="rId21"/>
+    <p:sldId id="296" r:id="rId22"/>
   </p:sldIdLst>
   <p:sldSz cx="12192000" cy="6858000"/>
   <p:notesSz cx="6858000" cy="9144000"/>
@@ -3583,7 +3585,7 @@
           <a:p>
             <a:fld id="{E6317E0B-A3D3-495C-A4A5-504BD0130225}" type="datetimeFigureOut">
               <a:rPr lang="en-CA" smtClean="0"/>
-              <a:t>2020-05-02</a:t>
+              <a:t>2020-05-08</a:t>
             </a:fld>
             <a:endParaRPr lang="en-CA"/>
           </a:p>
@@ -4345,7 +4347,7 @@
     </p:spTree>
     <p:extLst>
       <p:ext uri="{BB962C8B-B14F-4D97-AF65-F5344CB8AC3E}">
-        <p14:creationId xmlns:p14="http://schemas.microsoft.com/office/powerpoint/2010/main" val="2433785569"/>
+        <p14:creationId xmlns:p14="http://schemas.microsoft.com/office/powerpoint/2010/main" val="3765331348"/>
       </p:ext>
     </p:extLst>
   </p:cSld>
@@ -4429,7 +4431,7 @@
     </p:spTree>
     <p:extLst>
       <p:ext uri="{BB962C8B-B14F-4D97-AF65-F5344CB8AC3E}">
-        <p14:creationId xmlns:p14="http://schemas.microsoft.com/office/powerpoint/2010/main" val="3516483847"/>
+        <p14:creationId xmlns:p14="http://schemas.microsoft.com/office/powerpoint/2010/main" val="2433785569"/>
       </p:ext>
     </p:extLst>
   </p:cSld>
@@ -4483,7 +4485,7 @@
           <a:bodyPr/>
           <a:lstStyle/>
           <a:p>
-            <a:endParaRPr lang="en-CA" dirty="0"/>
+            <a:endParaRPr lang="en-US" dirty="0"/>
           </a:p>
         </p:txBody>
       </p:sp>
@@ -4513,7 +4515,7 @@
     </p:spTree>
     <p:extLst>
       <p:ext uri="{BB962C8B-B14F-4D97-AF65-F5344CB8AC3E}">
-        <p14:creationId xmlns:p14="http://schemas.microsoft.com/office/powerpoint/2010/main" val="3602966563"/>
+        <p14:creationId xmlns:p14="http://schemas.microsoft.com/office/powerpoint/2010/main" val="3516483847"/>
       </p:ext>
     </p:extLst>
   </p:cSld>
@@ -4597,7 +4599,7 @@
     </p:spTree>
     <p:extLst>
       <p:ext uri="{BB962C8B-B14F-4D97-AF65-F5344CB8AC3E}">
-        <p14:creationId xmlns:p14="http://schemas.microsoft.com/office/powerpoint/2010/main" val="2857454703"/>
+        <p14:creationId xmlns:p14="http://schemas.microsoft.com/office/powerpoint/2010/main" val="1027335351"/>
       </p:ext>
     </p:extLst>
   </p:cSld>
@@ -4651,23 +4653,91 @@
           <a:bodyPr/>
           <a:lstStyle/>
           <a:p>
-            <a:r>
-              <a:rPr lang="en-US" dirty="0"/>
-              <a:t>TODO: </a:t>
-            </a:r>
-          </a:p>
-          <a:p>
-            <a:r>
-              <a:rPr lang="en-US" dirty="0"/>
-              <a:t>Verify that the hyper parameters listed match the values from final run</a:t>
-            </a:r>
-          </a:p>
-          <a:p>
-            <a:r>
-              <a:rPr lang="en-US" dirty="0"/>
-              <a:t>Adjust the table</a:t>
-            </a:r>
             <a:endParaRPr lang="en-CA" dirty="0"/>
+          </a:p>
+        </p:txBody>
+      </p:sp>
+      <p:sp>
+        <p:nvSpPr>
+          <p:cNvPr id="4" name="Slide Number Placeholder 3"/>
+          <p:cNvSpPr>
+            <a:spLocks noGrp="1"/>
+          </p:cNvSpPr>
+          <p:nvPr>
+            <p:ph type="sldNum" sz="quarter" idx="5"/>
+          </p:nvPr>
+        </p:nvSpPr>
+        <p:spPr/>
+        <p:txBody>
+          <a:bodyPr/>
+          <a:lstStyle/>
+          <a:p>
+            <a:fld id="{CFED61B6-4A00-4DBB-8E9B-BCC4333A0018}" type="slidenum">
+              <a:rPr lang="en-CA" smtClean="0"/>
+              <a:t>18</a:t>
+            </a:fld>
+            <a:endParaRPr lang="en-CA"/>
+          </a:p>
+        </p:txBody>
+      </p:sp>
+    </p:spTree>
+    <p:extLst>
+      <p:ext uri="{BB962C8B-B14F-4D97-AF65-F5344CB8AC3E}">
+        <p14:creationId xmlns:p14="http://schemas.microsoft.com/office/powerpoint/2010/main" val="3602966563"/>
+      </p:ext>
+    </p:extLst>
+  </p:cSld>
+  <p:clrMapOvr>
+    <a:masterClrMapping/>
+  </p:clrMapOvr>
+</p:notes>
+</file>
+
+<file path=ppt/notesSlides/notesSlide19.xml><?xml version="1.0" encoding="utf-8"?>
+<p:notes xmlns:a="http://schemas.openxmlformats.org/drawingml/2006/main" xmlns:r="http://schemas.openxmlformats.org/officeDocument/2006/relationships" xmlns:p="http://schemas.openxmlformats.org/presentationml/2006/main">
+  <p:cSld>
+    <p:spTree>
+      <p:nvGrpSpPr>
+        <p:cNvPr id="1" name=""/>
+        <p:cNvGrpSpPr/>
+        <p:nvPr/>
+      </p:nvGrpSpPr>
+      <p:grpSpPr>
+        <a:xfrm>
+          <a:off x="0" y="0"/>
+          <a:ext cx="0" cy="0"/>
+          <a:chOff x="0" y="0"/>
+          <a:chExt cx="0" cy="0"/>
+        </a:xfrm>
+      </p:grpSpPr>
+      <p:sp>
+        <p:nvSpPr>
+          <p:cNvPr id="2" name="Slide Image Placeholder 1"/>
+          <p:cNvSpPr>
+            <a:spLocks noGrp="1" noRot="1" noChangeAspect="1"/>
+          </p:cNvSpPr>
+          <p:nvPr>
+            <p:ph type="sldImg"/>
+          </p:nvPr>
+        </p:nvSpPr>
+        <p:spPr/>
+      </p:sp>
+      <p:sp>
+        <p:nvSpPr>
+          <p:cNvPr id="3" name="Notes Placeholder 2"/>
+          <p:cNvSpPr>
+            <a:spLocks noGrp="1"/>
+          </p:cNvSpPr>
+          <p:nvPr>
+            <p:ph type="body" idx="1"/>
+          </p:nvPr>
+        </p:nvSpPr>
+        <p:spPr/>
+        <p:txBody>
+          <a:bodyPr/>
+          <a:lstStyle/>
+          <a:p>
+            <a:endParaRPr lang="en-US" dirty="0"/>
           </a:p>
         </p:txBody>
       </p:sp>
@@ -4697,7 +4767,7 @@
     </p:spTree>
     <p:extLst>
       <p:ext uri="{BB962C8B-B14F-4D97-AF65-F5344CB8AC3E}">
-        <p14:creationId xmlns:p14="http://schemas.microsoft.com/office/powerpoint/2010/main" val="3780051876"/>
+        <p14:creationId xmlns:p14="http://schemas.microsoft.com/office/powerpoint/2010/main" val="2857454703"/>
       </p:ext>
     </p:extLst>
   </p:cSld>
@@ -4782,6 +4852,106 @@
     <p:extLst>
       <p:ext uri="{BB962C8B-B14F-4D97-AF65-F5344CB8AC3E}">
         <p14:creationId xmlns:p14="http://schemas.microsoft.com/office/powerpoint/2010/main" val="2767141058"/>
+      </p:ext>
+    </p:extLst>
+  </p:cSld>
+  <p:clrMapOvr>
+    <a:masterClrMapping/>
+  </p:clrMapOvr>
+</p:notes>
+</file>
+
+<file path=ppt/notesSlides/notesSlide20.xml><?xml version="1.0" encoding="utf-8"?>
+<p:notes xmlns:a="http://schemas.openxmlformats.org/drawingml/2006/main" xmlns:r="http://schemas.openxmlformats.org/officeDocument/2006/relationships" xmlns:p="http://schemas.openxmlformats.org/presentationml/2006/main">
+  <p:cSld>
+    <p:spTree>
+      <p:nvGrpSpPr>
+        <p:cNvPr id="1" name=""/>
+        <p:cNvGrpSpPr/>
+        <p:nvPr/>
+      </p:nvGrpSpPr>
+      <p:grpSpPr>
+        <a:xfrm>
+          <a:off x="0" y="0"/>
+          <a:ext cx="0" cy="0"/>
+          <a:chOff x="0" y="0"/>
+          <a:chExt cx="0" cy="0"/>
+        </a:xfrm>
+      </p:grpSpPr>
+      <p:sp>
+        <p:nvSpPr>
+          <p:cNvPr id="2" name="Slide Image Placeholder 1"/>
+          <p:cNvSpPr>
+            <a:spLocks noGrp="1" noRot="1" noChangeAspect="1"/>
+          </p:cNvSpPr>
+          <p:nvPr>
+            <p:ph type="sldImg"/>
+          </p:nvPr>
+        </p:nvSpPr>
+        <p:spPr/>
+      </p:sp>
+      <p:sp>
+        <p:nvSpPr>
+          <p:cNvPr id="3" name="Notes Placeholder 2"/>
+          <p:cNvSpPr>
+            <a:spLocks noGrp="1"/>
+          </p:cNvSpPr>
+          <p:nvPr>
+            <p:ph type="body" idx="1"/>
+          </p:nvPr>
+        </p:nvSpPr>
+        <p:spPr/>
+        <p:txBody>
+          <a:bodyPr/>
+          <a:lstStyle/>
+          <a:p>
+            <a:r>
+              <a:rPr lang="en-US" dirty="0"/>
+              <a:t>TODO: </a:t>
+            </a:r>
+          </a:p>
+          <a:p>
+            <a:r>
+              <a:rPr lang="en-US" dirty="0"/>
+              <a:t>Verify that the hyper parameters listed match the values from final run</a:t>
+            </a:r>
+          </a:p>
+          <a:p>
+            <a:r>
+              <a:rPr lang="en-US" dirty="0"/>
+              <a:t>Adjust the table</a:t>
+            </a:r>
+            <a:endParaRPr lang="en-CA" dirty="0"/>
+          </a:p>
+        </p:txBody>
+      </p:sp>
+      <p:sp>
+        <p:nvSpPr>
+          <p:cNvPr id="4" name="Slide Number Placeholder 3"/>
+          <p:cNvSpPr>
+            <a:spLocks noGrp="1"/>
+          </p:cNvSpPr>
+          <p:nvPr>
+            <p:ph type="sldNum" sz="quarter" idx="5"/>
+          </p:nvPr>
+        </p:nvSpPr>
+        <p:spPr/>
+        <p:txBody>
+          <a:bodyPr/>
+          <a:lstStyle/>
+          <a:p>
+            <a:fld id="{CFED61B6-4A00-4DBB-8E9B-BCC4333A0018}" type="slidenum">
+              <a:rPr lang="en-CA" smtClean="0"/>
+              <a:t>21</a:t>
+            </a:fld>
+            <a:endParaRPr lang="en-CA"/>
+          </a:p>
+        </p:txBody>
+      </p:sp>
+    </p:spTree>
+    <p:extLst>
+      <p:ext uri="{BB962C8B-B14F-4D97-AF65-F5344CB8AC3E}">
+        <p14:creationId xmlns:p14="http://schemas.microsoft.com/office/powerpoint/2010/main" val="3780051876"/>
       </p:ext>
     </p:extLst>
   </p:cSld>
@@ -5531,7 +5701,7 @@
           <a:p>
             <a:fld id="{41214EFD-F6C2-4FF2-A372-B412D13DB261}" type="datetimeFigureOut">
               <a:rPr lang="en-CA" smtClean="0"/>
-              <a:t>2020-05-02</a:t>
+              <a:t>2020-05-08</a:t>
             </a:fld>
             <a:endParaRPr lang="en-CA"/>
           </a:p>
@@ -5731,7 +5901,7 @@
           <a:p>
             <a:fld id="{41214EFD-F6C2-4FF2-A372-B412D13DB261}" type="datetimeFigureOut">
               <a:rPr lang="en-CA" smtClean="0"/>
-              <a:t>2020-05-02</a:t>
+              <a:t>2020-05-08</a:t>
             </a:fld>
             <a:endParaRPr lang="en-CA"/>
           </a:p>
@@ -5941,7 +6111,7 @@
           <a:p>
             <a:fld id="{41214EFD-F6C2-4FF2-A372-B412D13DB261}" type="datetimeFigureOut">
               <a:rPr lang="en-CA" smtClean="0"/>
-              <a:t>2020-05-02</a:t>
+              <a:t>2020-05-08</a:t>
             </a:fld>
             <a:endParaRPr lang="en-CA"/>
           </a:p>
@@ -6141,7 +6311,7 @@
           <a:p>
             <a:fld id="{41214EFD-F6C2-4FF2-A372-B412D13DB261}" type="datetimeFigureOut">
               <a:rPr lang="en-CA" smtClean="0"/>
-              <a:t>2020-05-02</a:t>
+              <a:t>2020-05-08</a:t>
             </a:fld>
             <a:endParaRPr lang="en-CA"/>
           </a:p>
@@ -6417,7 +6587,7 @@
           <a:p>
             <a:fld id="{41214EFD-F6C2-4FF2-A372-B412D13DB261}" type="datetimeFigureOut">
               <a:rPr lang="en-CA" smtClean="0"/>
-              <a:t>2020-05-02</a:t>
+              <a:t>2020-05-08</a:t>
             </a:fld>
             <a:endParaRPr lang="en-CA"/>
           </a:p>
@@ -6685,7 +6855,7 @@
           <a:p>
             <a:fld id="{41214EFD-F6C2-4FF2-A372-B412D13DB261}" type="datetimeFigureOut">
               <a:rPr lang="en-CA" smtClean="0"/>
-              <a:t>2020-05-02</a:t>
+              <a:t>2020-05-08</a:t>
             </a:fld>
             <a:endParaRPr lang="en-CA"/>
           </a:p>
@@ -7100,7 +7270,7 @@
           <a:p>
             <a:fld id="{41214EFD-F6C2-4FF2-A372-B412D13DB261}" type="datetimeFigureOut">
               <a:rPr lang="en-CA" smtClean="0"/>
-              <a:t>2020-05-02</a:t>
+              <a:t>2020-05-08</a:t>
             </a:fld>
             <a:endParaRPr lang="en-CA"/>
           </a:p>
@@ -7242,7 +7412,7 @@
           <a:p>
             <a:fld id="{41214EFD-F6C2-4FF2-A372-B412D13DB261}" type="datetimeFigureOut">
               <a:rPr lang="en-CA" smtClean="0"/>
-              <a:t>2020-05-02</a:t>
+              <a:t>2020-05-08</a:t>
             </a:fld>
             <a:endParaRPr lang="en-CA"/>
           </a:p>
@@ -7355,7 +7525,7 @@
           <a:p>
             <a:fld id="{41214EFD-F6C2-4FF2-A372-B412D13DB261}" type="datetimeFigureOut">
               <a:rPr lang="en-CA" smtClean="0"/>
-              <a:t>2020-05-02</a:t>
+              <a:t>2020-05-08</a:t>
             </a:fld>
             <a:endParaRPr lang="en-CA"/>
           </a:p>
@@ -7668,7 +7838,7 @@
           <a:p>
             <a:fld id="{41214EFD-F6C2-4FF2-A372-B412D13DB261}" type="datetimeFigureOut">
               <a:rPr lang="en-CA" smtClean="0"/>
-              <a:t>2020-05-02</a:t>
+              <a:t>2020-05-08</a:t>
             </a:fld>
             <a:endParaRPr lang="en-CA"/>
           </a:p>
@@ -7957,7 +8127,7 @@
           <a:p>
             <a:fld id="{41214EFD-F6C2-4FF2-A372-B412D13DB261}" type="datetimeFigureOut">
               <a:rPr lang="en-CA" smtClean="0"/>
-              <a:t>2020-05-02</a:t>
+              <a:t>2020-05-08</a:t>
             </a:fld>
             <a:endParaRPr lang="en-CA"/>
           </a:p>
@@ -8200,7 +8370,7 @@
           <a:p>
             <a:fld id="{41214EFD-F6C2-4FF2-A372-B412D13DB261}" type="datetimeFigureOut">
               <a:rPr lang="en-CA" smtClean="0"/>
-              <a:t>2020-05-02</a:t>
+              <a:t>2020-05-08</a:t>
             </a:fld>
             <a:endParaRPr lang="en-CA"/>
           </a:p>
@@ -8961,7 +9131,7 @@
                 <a:ea typeface="+mn-ea"/>
                 <a:cs typeface="+mn-cs"/>
               </a:rPr>
-              <a:t>CSML1010 – Milestone 2 Group 3: Jerry </a:t>
+              <a:t>York University – CSML1010 – Milestone 2 Group 3: Jerry </a:t>
             </a:r>
             <a:r>
               <a:rPr lang="en-US" sz="2200" kern="1200" dirty="0" err="1">
@@ -9024,6 +9194,42 @@
           </a:p>
         </p:txBody>
       </p:sp>
+      <p:pic>
+        <p:nvPicPr>
+          <p:cNvPr id="7" name="Picture 6">
+            <a:extLst>
+              <a:ext uri="{FF2B5EF4-FFF2-40B4-BE49-F238E27FC236}">
+                <a16:creationId xmlns:a16="http://schemas.microsoft.com/office/drawing/2014/main" id="{2D7CB1EA-72EC-473A-AF8F-86FDC14CA1C7}"/>
+              </a:ext>
+            </a:extLst>
+          </p:cNvPr>
+          <p:cNvPicPr>
+            <a:picLocks noChangeAspect="1"/>
+          </p:cNvPicPr>
+          <p:nvPr/>
+        </p:nvPicPr>
+        <p:blipFill>
+          <a:blip r:embed="rId4">
+            <a:extLst>
+              <a:ext uri="{28A0092B-C50C-407E-A947-70E740481C1C}">
+                <a14:useLocalDpi xmlns:a14="http://schemas.microsoft.com/office/drawing/2010/main" val="0"/>
+              </a:ext>
+            </a:extLst>
+          </a:blip>
+          <a:stretch>
+            <a:fillRect/>
+          </a:stretch>
+        </p:blipFill>
+        <p:spPr>
+          <a:xfrm>
+            <a:off x="10566558" y="6242923"/>
+            <a:ext cx="1399713" cy="441520"/>
+          </a:xfrm>
+          <a:prstGeom prst="rect">
+            <a:avLst/>
+          </a:prstGeom>
+        </p:spPr>
+      </p:pic>
     </p:spTree>
     <p:extLst>
       <p:ext uri="{BB962C8B-B14F-4D97-AF65-F5344CB8AC3E}">
@@ -9136,10 +9342,10 @@
       </p:pic>
       <p:pic>
         <p:nvPicPr>
-          <p:cNvPr id="3" name="Picture 2">
+          <p:cNvPr id="4" name="Picture 3">
             <a:extLst>
               <a:ext uri="{FF2B5EF4-FFF2-40B4-BE49-F238E27FC236}">
-                <a16:creationId xmlns:a16="http://schemas.microsoft.com/office/drawing/2014/main" id="{02A824D1-C636-425B-B989-A0F3E3885160}"/>
+                <a16:creationId xmlns:a16="http://schemas.microsoft.com/office/drawing/2014/main" id="{D1F45CCE-F184-4683-ADC4-A5280862510F}"/>
               </a:ext>
             </a:extLst>
           </p:cNvPr>
@@ -9156,8 +9362,8 @@
         </p:blipFill>
         <p:spPr>
           <a:xfrm>
-            <a:off x="4161875" y="1496083"/>
-            <a:ext cx="7906853" cy="4706007"/>
+            <a:off x="4338085" y="1552353"/>
+            <a:ext cx="7554434" cy="4039901"/>
           </a:xfrm>
           <a:prstGeom prst="rect">
             <a:avLst/>
@@ -9478,10 +9684,10 @@
       </p:sp>
       <p:pic>
         <p:nvPicPr>
-          <p:cNvPr id="5" name="Picture 4">
+          <p:cNvPr id="3" name="Picture 2">
             <a:extLst>
               <a:ext uri="{FF2B5EF4-FFF2-40B4-BE49-F238E27FC236}">
-                <a16:creationId xmlns:a16="http://schemas.microsoft.com/office/drawing/2014/main" id="{381D9BBB-A441-4F06-BCC9-9BCF0E4115F4}"/>
+                <a16:creationId xmlns:a16="http://schemas.microsoft.com/office/drawing/2014/main" id="{36B9876D-D50E-4915-8F14-664584BC3853}"/>
               </a:ext>
             </a:extLst>
           </p:cNvPr>
@@ -9498,8 +9704,8 @@
         </p:blipFill>
         <p:spPr>
           <a:xfrm>
-            <a:off x="410700" y="1064411"/>
-            <a:ext cx="5422899" cy="2636403"/>
+            <a:off x="304802" y="1066800"/>
+            <a:ext cx="5487778" cy="2625731"/>
           </a:xfrm>
           <a:prstGeom prst="rect">
             <a:avLst/>
@@ -9508,10 +9714,10 @@
       </p:pic>
       <p:pic>
         <p:nvPicPr>
-          <p:cNvPr id="6" name="Picture 5">
+          <p:cNvPr id="4" name="Picture 3">
             <a:extLst>
               <a:ext uri="{FF2B5EF4-FFF2-40B4-BE49-F238E27FC236}">
-                <a16:creationId xmlns:a16="http://schemas.microsoft.com/office/drawing/2014/main" id="{B8F0C83D-D584-43E7-9DEE-F5DC2308D46E}"/>
+                <a16:creationId xmlns:a16="http://schemas.microsoft.com/office/drawing/2014/main" id="{EAFCAA86-A131-4892-8F11-DCADF2501A25}"/>
               </a:ext>
             </a:extLst>
           </p:cNvPr>
@@ -9528,8 +9734,8 @@
         </p:blipFill>
         <p:spPr>
           <a:xfrm>
-            <a:off x="6090962" y="1081599"/>
-            <a:ext cx="5422899" cy="2616826"/>
+            <a:off x="6150390" y="1066800"/>
+            <a:ext cx="5487779" cy="2667762"/>
           </a:xfrm>
           <a:prstGeom prst="rect">
             <a:avLst/>
@@ -9880,10 +10086,10 @@
       </p:sp>
       <p:pic>
         <p:nvPicPr>
-          <p:cNvPr id="5" name="Picture 4">
+          <p:cNvPr id="3" name="Picture 2">
             <a:extLst>
               <a:ext uri="{FF2B5EF4-FFF2-40B4-BE49-F238E27FC236}">
-                <a16:creationId xmlns:a16="http://schemas.microsoft.com/office/drawing/2014/main" id="{27EFBD20-E187-4A99-90A6-7B972A119C33}"/>
+                <a16:creationId xmlns:a16="http://schemas.microsoft.com/office/drawing/2014/main" id="{C6377A5D-37F1-4333-8853-C9597E96856A}"/>
               </a:ext>
             </a:extLst>
           </p:cNvPr>
@@ -9900,8 +10106,8 @@
         </p:blipFill>
         <p:spPr>
           <a:xfrm>
-            <a:off x="315134" y="1072690"/>
-            <a:ext cx="5624027" cy="2710375"/>
+            <a:off x="360356" y="1042445"/>
+            <a:ext cx="5517372" cy="2684853"/>
           </a:xfrm>
           <a:prstGeom prst="rect">
             <a:avLst/>
@@ -9910,10 +10116,10 @@
       </p:pic>
       <p:pic>
         <p:nvPicPr>
-          <p:cNvPr id="10" name="Picture 9">
+          <p:cNvPr id="4" name="Picture 3">
             <a:extLst>
               <a:ext uri="{FF2B5EF4-FFF2-40B4-BE49-F238E27FC236}">
-                <a16:creationId xmlns:a16="http://schemas.microsoft.com/office/drawing/2014/main" id="{2D79023F-A9A7-4242-A8B8-3F78A203CC9A}"/>
+                <a16:creationId xmlns:a16="http://schemas.microsoft.com/office/drawing/2014/main" id="{895D4806-7FED-4546-8608-3921565E9C18}"/>
               </a:ext>
             </a:extLst>
           </p:cNvPr>
@@ -9930,8 +10136,8 @@
         </p:blipFill>
         <p:spPr>
           <a:xfrm>
-            <a:off x="5933283" y="1072690"/>
-            <a:ext cx="5694778" cy="2708243"/>
+            <a:off x="6077785" y="1042444"/>
+            <a:ext cx="5418890" cy="2654017"/>
           </a:xfrm>
           <a:prstGeom prst="rect">
             <a:avLst/>
@@ -9998,90 +10204,18 @@
           <a:p>
             <a:r>
               <a:rPr lang="en-US" b="1" dirty="0"/>
-              <a:t>4a. Ensemble Learning – Bagging </a:t>
+              <a:t>4. ROC – AUC Curves</a:t>
             </a:r>
             <a:endParaRPr lang="en-CA" b="1" dirty="0"/>
           </a:p>
         </p:txBody>
       </p:sp>
-      <p:sp>
-        <p:nvSpPr>
-          <p:cNvPr id="8" name="TextBox 7">
+      <p:pic>
+        <p:nvPicPr>
+          <p:cNvPr id="3" name="Picture 2">
             <a:extLst>
               <a:ext uri="{FF2B5EF4-FFF2-40B4-BE49-F238E27FC236}">
-                <a16:creationId xmlns:a16="http://schemas.microsoft.com/office/drawing/2014/main" id="{A03A83B2-95E7-4D52-8BE9-3DE9741164CE}"/>
-              </a:ext>
-            </a:extLst>
-          </p:cNvPr>
-          <p:cNvSpPr txBox="1"/>
-          <p:nvPr/>
-        </p:nvSpPr>
-        <p:spPr>
-          <a:xfrm flipH="1">
-            <a:off x="1459237" y="6229128"/>
-            <a:ext cx="3644899" cy="369332"/>
-          </a:xfrm>
-          <a:prstGeom prst="rect">
-            <a:avLst/>
-          </a:prstGeom>
-          <a:noFill/>
-        </p:spPr>
-        <p:txBody>
-          <a:bodyPr wrap="square" rtlCol="0">
-            <a:spAutoFit/>
-          </a:bodyPr>
-          <a:lstStyle/>
-          <a:p>
-            <a:r>
-              <a:rPr lang="en-US" b="1" dirty="0"/>
-              <a:t>Learning Curves Test/Train Errors</a:t>
-            </a:r>
-            <a:endParaRPr lang="en-CA" b="1" dirty="0"/>
-          </a:p>
-        </p:txBody>
-      </p:sp>
-      <p:sp>
-        <p:nvSpPr>
-          <p:cNvPr id="11" name="TextBox 10">
-            <a:extLst>
-              <a:ext uri="{FF2B5EF4-FFF2-40B4-BE49-F238E27FC236}">
-                <a16:creationId xmlns:a16="http://schemas.microsoft.com/office/drawing/2014/main" id="{28188166-A167-47EC-90C3-E5FE8FB9B92E}"/>
-              </a:ext>
-            </a:extLst>
-          </p:cNvPr>
-          <p:cNvSpPr txBox="1"/>
-          <p:nvPr/>
-        </p:nvSpPr>
-        <p:spPr>
-          <a:xfrm flipH="1">
-            <a:off x="7087865" y="6229128"/>
-            <a:ext cx="4164334" cy="369332"/>
-          </a:xfrm>
-          <a:prstGeom prst="rect">
-            <a:avLst/>
-          </a:prstGeom>
-          <a:noFill/>
-        </p:spPr>
-        <p:txBody>
-          <a:bodyPr wrap="square" rtlCol="0">
-            <a:spAutoFit/>
-          </a:bodyPr>
-          <a:lstStyle/>
-          <a:p>
-            <a:r>
-              <a:rPr lang="en-US" b="1" dirty="0"/>
-              <a:t>Cross-Validation Score by Ensemble Size</a:t>
-            </a:r>
-            <a:endParaRPr lang="en-CA" b="1" dirty="0"/>
-          </a:p>
-        </p:txBody>
-      </p:sp>
-      <p:pic>
-        <p:nvPicPr>
-          <p:cNvPr id="5" name="Picture 4">
-            <a:extLst>
-              <a:ext uri="{FF2B5EF4-FFF2-40B4-BE49-F238E27FC236}">
-                <a16:creationId xmlns:a16="http://schemas.microsoft.com/office/drawing/2014/main" id="{C4F07813-BB0F-4BE8-B398-6F5B8101506F}"/>
+                <a16:creationId xmlns:a16="http://schemas.microsoft.com/office/drawing/2014/main" id="{68FB5A4B-C499-4A99-B893-501CD0A65D4D}"/>
               </a:ext>
             </a:extLst>
           </p:cNvPr>
@@ -10090,16 +10224,15 @@
           </p:cNvPicPr>
           <p:nvPr/>
         </p:nvPicPr>
-        <p:blipFill>
+        <p:blipFill rotWithShape="1">
           <a:blip r:embed="rId3"/>
-          <a:stretch>
-            <a:fillRect/>
-          </a:stretch>
+          <a:srcRect b="50521"/>
+          <a:stretch/>
         </p:blipFill>
         <p:spPr>
           <a:xfrm>
-            <a:off x="457075" y="899755"/>
-            <a:ext cx="5370621" cy="5265443"/>
+            <a:off x="236860" y="901701"/>
+            <a:ext cx="5997024" cy="2467319"/>
           </a:xfrm>
           <a:prstGeom prst="rect">
             <a:avLst/>
@@ -10108,10 +10241,10 @@
       </p:pic>
       <p:pic>
         <p:nvPicPr>
-          <p:cNvPr id="6" name="Picture 5">
+          <p:cNvPr id="4" name="Picture 3">
             <a:extLst>
               <a:ext uri="{FF2B5EF4-FFF2-40B4-BE49-F238E27FC236}">
-                <a16:creationId xmlns:a16="http://schemas.microsoft.com/office/drawing/2014/main" id="{27CC5F11-6C19-40B2-88A7-F8647D311F68}"/>
+                <a16:creationId xmlns:a16="http://schemas.microsoft.com/office/drawing/2014/main" id="{F82FF641-7419-460B-8821-97CF7F46F57C}"/>
               </a:ext>
             </a:extLst>
           </p:cNvPr>
@@ -10128,8 +10261,38 @@
         </p:blipFill>
         <p:spPr>
           <a:xfrm>
-            <a:off x="6364306" y="899755"/>
-            <a:ext cx="5370621" cy="5175089"/>
+            <a:off x="2091693" y="3863753"/>
+            <a:ext cx="8008613" cy="1835552"/>
+          </a:xfrm>
+          <a:prstGeom prst="rect">
+            <a:avLst/>
+          </a:prstGeom>
+        </p:spPr>
+      </p:pic>
+      <p:pic>
+        <p:nvPicPr>
+          <p:cNvPr id="7" name="Picture 6">
+            <a:extLst>
+              <a:ext uri="{FF2B5EF4-FFF2-40B4-BE49-F238E27FC236}">
+                <a16:creationId xmlns:a16="http://schemas.microsoft.com/office/drawing/2014/main" id="{543C4B8C-CA0B-4AAC-995A-66B4B6DA62C2}"/>
+              </a:ext>
+            </a:extLst>
+          </p:cNvPr>
+          <p:cNvPicPr>
+            <a:picLocks noChangeAspect="1"/>
+          </p:cNvPicPr>
+          <p:nvPr/>
+        </p:nvPicPr>
+        <p:blipFill>
+          <a:blip r:embed="rId5"/>
+          <a:stretch>
+            <a:fillRect/>
+          </a:stretch>
+        </p:blipFill>
+        <p:spPr>
+          <a:xfrm>
+            <a:off x="6221633" y="961681"/>
+            <a:ext cx="5896798" cy="2467319"/>
           </a:xfrm>
           <a:prstGeom prst="rect">
             <a:avLst/>
@@ -10196,7 +10359,7 @@
           <a:p>
             <a:r>
               <a:rPr lang="en-US" b="1" dirty="0"/>
-              <a:t>4b. Ensemble Learning – Boosting </a:t>
+              <a:t>5a. Ensemble Learning – Bagging </a:t>
             </a:r>
             <a:endParaRPr lang="en-CA" b="1" dirty="0"/>
           </a:p>
@@ -10216,7 +10379,7 @@
         </p:nvSpPr>
         <p:spPr>
           <a:xfrm flipH="1">
-            <a:off x="1676399" y="6229128"/>
+            <a:off x="1459237" y="6229128"/>
             <a:ext cx="3644899" cy="369332"/>
           </a:xfrm>
           <a:prstGeom prst="rect">
@@ -10252,8 +10415,8 @@
         </p:nvSpPr>
         <p:spPr>
           <a:xfrm flipH="1">
-            <a:off x="7087866" y="6229128"/>
-            <a:ext cx="3897633" cy="369332"/>
+            <a:off x="7087865" y="6229128"/>
+            <a:ext cx="4164334" cy="369332"/>
           </a:xfrm>
           <a:prstGeom prst="rect">
             <a:avLst/>
@@ -10268,7 +10431,7 @@
           <a:p>
             <a:r>
               <a:rPr lang="en-US" b="1" dirty="0"/>
-              <a:t>F1-Score Weighted by Ensemble Size</a:t>
+              <a:t>Cross-Validation Score by Ensemble Size</a:t>
             </a:r>
             <a:endParaRPr lang="en-CA" b="1" dirty="0"/>
           </a:p>
@@ -10279,7 +10442,7 @@
           <p:cNvPr id="3" name="Picture 2">
             <a:extLst>
               <a:ext uri="{FF2B5EF4-FFF2-40B4-BE49-F238E27FC236}">
-                <a16:creationId xmlns:a16="http://schemas.microsoft.com/office/drawing/2014/main" id="{0FFB37A8-198F-4802-861D-63F61A573B76}"/>
+                <a16:creationId xmlns:a16="http://schemas.microsoft.com/office/drawing/2014/main" id="{0D09E4D3-F698-4152-BAF1-55941A23CB1B}"/>
               </a:ext>
             </a:extLst>
           </p:cNvPr>
@@ -10296,8 +10459,8 @@
         </p:blipFill>
         <p:spPr>
           <a:xfrm>
-            <a:off x="398339" y="901138"/>
-            <a:ext cx="5441643" cy="5328554"/>
+            <a:off x="266700" y="899755"/>
+            <a:ext cx="5560996" cy="5387005"/>
           </a:xfrm>
           <a:prstGeom prst="rect">
             <a:avLst/>
@@ -10309,7 +10472,7 @@
           <p:cNvPr id="4" name="Picture 3">
             <a:extLst>
               <a:ext uri="{FF2B5EF4-FFF2-40B4-BE49-F238E27FC236}">
-                <a16:creationId xmlns:a16="http://schemas.microsoft.com/office/drawing/2014/main" id="{7B68FFDA-C27C-4EAD-9A75-229AEEE4354D}"/>
+                <a16:creationId xmlns:a16="http://schemas.microsoft.com/office/drawing/2014/main" id="{64D0D6E9-F900-42A4-80B8-E057DD0F2191}"/>
               </a:ext>
             </a:extLst>
           </p:cNvPr>
@@ -10326,8 +10489,8 @@
         </p:blipFill>
         <p:spPr>
           <a:xfrm>
-            <a:off x="6095999" y="901138"/>
-            <a:ext cx="5624355" cy="5327990"/>
+            <a:off x="6096000" y="899755"/>
+            <a:ext cx="5560996" cy="5319505"/>
           </a:xfrm>
           <a:prstGeom prst="rect">
             <a:avLst/>
@@ -10337,7 +10500,7 @@
     </p:spTree>
     <p:extLst>
       <p:ext uri="{BB962C8B-B14F-4D97-AF65-F5344CB8AC3E}">
-        <p14:creationId xmlns:p14="http://schemas.microsoft.com/office/powerpoint/2010/main" val="379261107"/>
+        <p14:creationId xmlns:p14="http://schemas.microsoft.com/office/powerpoint/2010/main" val="1639570156"/>
       </p:ext>
     </p:extLst>
   </p:cSld>
@@ -10382,8 +10545,8 @@
         </p:nvSpPr>
         <p:spPr>
           <a:xfrm>
-            <a:off x="301977" y="178052"/>
-            <a:ext cx="9194801" cy="731690"/>
+            <a:off x="266699" y="176180"/>
+            <a:ext cx="9423401" cy="725520"/>
           </a:xfrm>
         </p:spPr>
         <p:txBody>
@@ -10394,7 +10557,7 @@
           <a:p>
             <a:r>
               <a:rPr lang="en-US" b="1" dirty="0"/>
-              <a:t>4c. Ensemble Learning – Stacking </a:t>
+              <a:t>5b. Ensemble Learning – Boosting </a:t>
             </a:r>
             <a:endParaRPr lang="en-CA" b="1" dirty="0"/>
           </a:p>
@@ -10405,7 +10568,7 @@
           <p:cNvPr id="8" name="TextBox 7">
             <a:extLst>
               <a:ext uri="{FF2B5EF4-FFF2-40B4-BE49-F238E27FC236}">
-                <a16:creationId xmlns:a16="http://schemas.microsoft.com/office/drawing/2014/main" id="{A2A8C163-B8FA-40AA-91E2-FF6E6443FA4A}"/>
+                <a16:creationId xmlns:a16="http://schemas.microsoft.com/office/drawing/2014/main" id="{A03A83B2-95E7-4D52-8BE9-3DE9741164CE}"/>
               </a:ext>
             </a:extLst>
           </p:cNvPr>
@@ -10414,7 +10577,7 @@
         </p:nvSpPr>
         <p:spPr>
           <a:xfrm flipH="1">
-            <a:off x="1749779" y="5113572"/>
+            <a:off x="1676399" y="6229128"/>
             <a:ext cx="3644899" cy="369332"/>
           </a:xfrm>
           <a:prstGeom prst="rect">
@@ -10438,10 +10601,10 @@
       </p:sp>
       <p:sp>
         <p:nvSpPr>
-          <p:cNvPr id="10" name="TextBox 9">
+          <p:cNvPr id="11" name="TextBox 10">
             <a:extLst>
               <a:ext uri="{FF2B5EF4-FFF2-40B4-BE49-F238E27FC236}">
-                <a16:creationId xmlns:a16="http://schemas.microsoft.com/office/drawing/2014/main" id="{A586DBE2-100C-42C5-AADC-4650BAC82909}"/>
+                <a16:creationId xmlns:a16="http://schemas.microsoft.com/office/drawing/2014/main" id="{28188166-A167-47EC-90C3-E5FE8FB9B92E}"/>
               </a:ext>
             </a:extLst>
           </p:cNvPr>
@@ -10450,8 +10613,8 @@
         </p:nvSpPr>
         <p:spPr>
           <a:xfrm flipH="1">
-            <a:off x="7674328" y="5113572"/>
-            <a:ext cx="3644899" cy="646331"/>
+            <a:off x="7087866" y="6229128"/>
+            <a:ext cx="3897633" cy="369332"/>
           </a:xfrm>
           <a:prstGeom prst="rect">
             <a:avLst/>
@@ -10466,48 +10629,7 @@
           <a:p>
             <a:r>
               <a:rPr lang="en-US" b="1" dirty="0"/>
-              <a:t>Stacking Ensemble Accuracy by Classifier</a:t>
-            </a:r>
-            <a:endParaRPr lang="en-CA" b="1" dirty="0"/>
-          </a:p>
-        </p:txBody>
-      </p:sp>
-      <p:sp>
-        <p:nvSpPr>
-          <p:cNvPr id="15" name="TextBox 14">
-            <a:extLst>
-              <a:ext uri="{FF2B5EF4-FFF2-40B4-BE49-F238E27FC236}">
-                <a16:creationId xmlns:a16="http://schemas.microsoft.com/office/drawing/2014/main" id="{123CE5C2-7072-45F2-8EAF-2EB351F1790B}"/>
-              </a:ext>
-            </a:extLst>
-          </p:cNvPr>
-          <p:cNvSpPr txBox="1"/>
-          <p:nvPr/>
-        </p:nvSpPr>
-        <p:spPr>
-          <a:xfrm flipH="1">
-            <a:off x="1127478" y="810435"/>
-            <a:ext cx="10007600" cy="369332"/>
-          </a:xfrm>
-          <a:prstGeom prst="rect">
-            <a:avLst/>
-          </a:prstGeom>
-          <a:noFill/>
-        </p:spPr>
-        <p:txBody>
-          <a:bodyPr wrap="square" rtlCol="0">
-            <a:spAutoFit/>
-          </a:bodyPr>
-          <a:lstStyle/>
-          <a:p>
-            <a:pPr algn="ctr"/>
-            <a:r>
-              <a:rPr lang="en-US" dirty="0"/>
-              <a:t>Random Forest -&gt; Linear SVC -&gt; Multinomial Naïve Bayes -&gt; </a:t>
-            </a:r>
-            <a:r>
-              <a:rPr lang="en-US" b="1" dirty="0"/>
-              <a:t>Stacking Logistic Regression</a:t>
+              <a:t>F1-Score Weighted by Ensemble Size</a:t>
             </a:r>
             <a:endParaRPr lang="en-CA" b="1" dirty="0"/>
           </a:p>
@@ -10518,7 +10640,7 @@
           <p:cNvPr id="5" name="Picture 4">
             <a:extLst>
               <a:ext uri="{FF2B5EF4-FFF2-40B4-BE49-F238E27FC236}">
-                <a16:creationId xmlns:a16="http://schemas.microsoft.com/office/drawing/2014/main" id="{08EC92B1-C402-4306-9F4F-2ED6CE20DF6F}"/>
+                <a16:creationId xmlns:a16="http://schemas.microsoft.com/office/drawing/2014/main" id="{423F8B02-65BD-400B-900D-1772BA5CD2A8}"/>
               </a:ext>
             </a:extLst>
           </p:cNvPr>
@@ -10535,8 +10657,8 @@
         </p:blipFill>
         <p:spPr>
           <a:xfrm>
-            <a:off x="6232167" y="1375096"/>
-            <a:ext cx="5087060" cy="3486637"/>
+            <a:off x="266699" y="901138"/>
+            <a:ext cx="5624355" cy="5399926"/>
           </a:xfrm>
           <a:prstGeom prst="rect">
             <a:avLst/>
@@ -10548,7 +10670,7 @@
           <p:cNvPr id="6" name="Picture 5">
             <a:extLst>
               <a:ext uri="{FF2B5EF4-FFF2-40B4-BE49-F238E27FC236}">
-                <a16:creationId xmlns:a16="http://schemas.microsoft.com/office/drawing/2014/main" id="{2272547B-914D-469F-B97C-593E2B023269}"/>
+                <a16:creationId xmlns:a16="http://schemas.microsoft.com/office/drawing/2014/main" id="{85423D83-0474-459B-8EE0-0A6549DC8E7C}"/>
               </a:ext>
             </a:extLst>
           </p:cNvPr>
@@ -10565,8 +10687,8 @@
         </p:blipFill>
         <p:spPr>
           <a:xfrm>
-            <a:off x="958511" y="1577501"/>
-            <a:ext cx="5001323" cy="3286584"/>
+            <a:off x="6096000" y="880247"/>
+            <a:ext cx="5535748" cy="5327990"/>
           </a:xfrm>
           <a:prstGeom prst="rect">
             <a:avLst/>
@@ -10576,7 +10698,7 @@
     </p:spTree>
     <p:extLst>
       <p:ext uri="{BB962C8B-B14F-4D97-AF65-F5344CB8AC3E}">
-        <p14:creationId xmlns:p14="http://schemas.microsoft.com/office/powerpoint/2010/main" val="165604191"/>
+        <p14:creationId xmlns:p14="http://schemas.microsoft.com/office/powerpoint/2010/main" val="379261107"/>
       </p:ext>
     </p:extLst>
   </p:cSld>
@@ -10605,10 +10727,10 @@
       </p:grpSpPr>
       <p:sp>
         <p:nvSpPr>
-          <p:cNvPr id="5" name="Title 4">
+          <p:cNvPr id="2" name="Title 1">
             <a:extLst>
               <a:ext uri="{FF2B5EF4-FFF2-40B4-BE49-F238E27FC236}">
-                <a16:creationId xmlns:a16="http://schemas.microsoft.com/office/drawing/2014/main" id="{1246C414-6A9A-4270-BF67-CD90FE566E64}"/>
+                <a16:creationId xmlns:a16="http://schemas.microsoft.com/office/drawing/2014/main" id="{078EF1BB-AFD2-4159-A52A-3DC689ABE7D4}"/>
               </a:ext>
             </a:extLst>
           </p:cNvPr>
@@ -10621,8 +10743,8 @@
         </p:nvSpPr>
         <p:spPr>
           <a:xfrm>
-            <a:off x="177800" y="212323"/>
-            <a:ext cx="4064000" cy="1921277"/>
+            <a:off x="301977" y="178052"/>
+            <a:ext cx="9194801" cy="731690"/>
           </a:xfrm>
         </p:spPr>
         <p:txBody>
@@ -10633,14 +10755,120 @@
           <a:p>
             <a:r>
               <a:rPr lang="en-US" b="1" dirty="0"/>
-              <a:t>Summary Benchmark </a:t>
-            </a:r>
-            <a:br>
+              <a:t>5c. Ensemble Learning – Stacking </a:t>
+            </a:r>
+            <a:endParaRPr lang="en-CA" b="1" dirty="0"/>
+          </a:p>
+        </p:txBody>
+      </p:sp>
+      <p:sp>
+        <p:nvSpPr>
+          <p:cNvPr id="8" name="TextBox 7">
+            <a:extLst>
+              <a:ext uri="{FF2B5EF4-FFF2-40B4-BE49-F238E27FC236}">
+                <a16:creationId xmlns:a16="http://schemas.microsoft.com/office/drawing/2014/main" id="{A2A8C163-B8FA-40AA-91E2-FF6E6443FA4A}"/>
+              </a:ext>
+            </a:extLst>
+          </p:cNvPr>
+          <p:cNvSpPr txBox="1"/>
+          <p:nvPr/>
+        </p:nvSpPr>
+        <p:spPr>
+          <a:xfrm flipH="1">
+            <a:off x="1749779" y="5113572"/>
+            <a:ext cx="3644899" cy="369332"/>
+          </a:xfrm>
+          <a:prstGeom prst="rect">
+            <a:avLst/>
+          </a:prstGeom>
+          <a:noFill/>
+        </p:spPr>
+        <p:txBody>
+          <a:bodyPr wrap="square" rtlCol="0">
+            <a:spAutoFit/>
+          </a:bodyPr>
+          <a:lstStyle/>
+          <a:p>
+            <a:r>
               <a:rPr lang="en-US" b="1" dirty="0"/>
-            </a:br>
+              <a:t>Learning Curves Test/Train Errors</a:t>
+            </a:r>
+            <a:endParaRPr lang="en-CA" b="1" dirty="0"/>
+          </a:p>
+        </p:txBody>
+      </p:sp>
+      <p:sp>
+        <p:nvSpPr>
+          <p:cNvPr id="10" name="TextBox 9">
+            <a:extLst>
+              <a:ext uri="{FF2B5EF4-FFF2-40B4-BE49-F238E27FC236}">
+                <a16:creationId xmlns:a16="http://schemas.microsoft.com/office/drawing/2014/main" id="{A586DBE2-100C-42C5-AADC-4650BAC82909}"/>
+              </a:ext>
+            </a:extLst>
+          </p:cNvPr>
+          <p:cNvSpPr txBox="1"/>
+          <p:nvPr/>
+        </p:nvSpPr>
+        <p:spPr>
+          <a:xfrm flipH="1">
+            <a:off x="7674328" y="5113572"/>
+            <a:ext cx="3644899" cy="646331"/>
+          </a:xfrm>
+          <a:prstGeom prst="rect">
+            <a:avLst/>
+          </a:prstGeom>
+          <a:noFill/>
+        </p:spPr>
+        <p:txBody>
+          <a:bodyPr wrap="square" rtlCol="0">
+            <a:spAutoFit/>
+          </a:bodyPr>
+          <a:lstStyle/>
+          <a:p>
             <a:r>
               <a:rPr lang="en-US" b="1" dirty="0"/>
-              <a:t>F1 Scores</a:t>
+              <a:t>Stacking Ensemble Accuracy by Classifier</a:t>
+            </a:r>
+            <a:endParaRPr lang="en-CA" b="1" dirty="0"/>
+          </a:p>
+        </p:txBody>
+      </p:sp>
+      <p:sp>
+        <p:nvSpPr>
+          <p:cNvPr id="15" name="TextBox 14">
+            <a:extLst>
+              <a:ext uri="{FF2B5EF4-FFF2-40B4-BE49-F238E27FC236}">
+                <a16:creationId xmlns:a16="http://schemas.microsoft.com/office/drawing/2014/main" id="{123CE5C2-7072-45F2-8EAF-2EB351F1790B}"/>
+              </a:ext>
+            </a:extLst>
+          </p:cNvPr>
+          <p:cNvSpPr txBox="1"/>
+          <p:nvPr/>
+        </p:nvSpPr>
+        <p:spPr>
+          <a:xfrm flipH="1">
+            <a:off x="1127478" y="810435"/>
+            <a:ext cx="10007600" cy="369332"/>
+          </a:xfrm>
+          <a:prstGeom prst="rect">
+            <a:avLst/>
+          </a:prstGeom>
+          <a:noFill/>
+        </p:spPr>
+        <p:txBody>
+          <a:bodyPr wrap="square" rtlCol="0">
+            <a:spAutoFit/>
+          </a:bodyPr>
+          <a:lstStyle/>
+          <a:p>
+            <a:pPr algn="ctr"/>
+            <a:r>
+              <a:rPr lang="en-US" dirty="0"/>
+              <a:t>Random Forest -&gt; Linear SVC -&gt; Multinomial Naïve Bayes -&gt; </a:t>
+            </a:r>
+            <a:r>
+              <a:rPr lang="en-US" b="1" dirty="0"/>
+              <a:t>Stacking Logistic Regression</a:t>
             </a:r>
             <a:endParaRPr lang="en-CA" b="1" dirty="0"/>
           </a:p>
@@ -10648,10 +10876,10 @@
       </p:sp>
       <p:pic>
         <p:nvPicPr>
-          <p:cNvPr id="2" name="Picture 1">
+          <p:cNvPr id="3" name="Picture 2">
             <a:extLst>
               <a:ext uri="{FF2B5EF4-FFF2-40B4-BE49-F238E27FC236}">
-                <a16:creationId xmlns:a16="http://schemas.microsoft.com/office/drawing/2014/main" id="{10714943-AFB7-487E-8C63-457268B63756}"/>
+                <a16:creationId xmlns:a16="http://schemas.microsoft.com/office/drawing/2014/main" id="{B8A93B51-FE24-4C72-83F9-725BC5689C6B}"/>
               </a:ext>
             </a:extLst>
           </p:cNvPr>
@@ -10668,28 +10896,48 @@
         </p:blipFill>
         <p:spPr>
           <a:xfrm>
-            <a:off x="4473921" y="53266"/>
-            <a:ext cx="7156727" cy="6751467"/>
+            <a:off x="6300432" y="1542125"/>
+            <a:ext cx="5096586" cy="3467584"/>
           </a:xfrm>
           <a:prstGeom prst="rect">
             <a:avLst/>
           </a:prstGeom>
-          <a:ln>
-            <a:noFill/>
-          </a:ln>
-          <a:effectLst>
-            <a:outerShdw blurRad="292100" dist="139700" dir="2700000" algn="tl" rotWithShape="0">
-              <a:srgbClr val="333333">
-                <a:alpha val="65000"/>
-              </a:srgbClr>
-            </a:outerShdw>
-          </a:effectLst>
+        </p:spPr>
+      </p:pic>
+      <p:pic>
+        <p:nvPicPr>
+          <p:cNvPr id="4" name="Picture 3">
+            <a:extLst>
+              <a:ext uri="{FF2B5EF4-FFF2-40B4-BE49-F238E27FC236}">
+                <a16:creationId xmlns:a16="http://schemas.microsoft.com/office/drawing/2014/main" id="{6568D17B-835F-4059-AA77-EAAB505A7B62}"/>
+              </a:ext>
+            </a:extLst>
+          </p:cNvPr>
+          <p:cNvPicPr>
+            <a:picLocks noChangeAspect="1"/>
+          </p:cNvPicPr>
+          <p:nvPr/>
+        </p:nvPicPr>
+        <p:blipFill>
+          <a:blip r:embed="rId4"/>
+          <a:stretch>
+            <a:fillRect/>
+          </a:stretch>
+        </p:blipFill>
+        <p:spPr>
+          <a:xfrm>
+            <a:off x="1119198" y="1613572"/>
+            <a:ext cx="4906060" cy="3324689"/>
+          </a:xfrm>
+          <a:prstGeom prst="rect">
+            <a:avLst/>
+          </a:prstGeom>
         </p:spPr>
       </p:pic>
     </p:spTree>
     <p:extLst>
       <p:ext uri="{BB962C8B-B14F-4D97-AF65-F5344CB8AC3E}">
-        <p14:creationId xmlns:p14="http://schemas.microsoft.com/office/powerpoint/2010/main" val="4188742258"/>
+        <p14:creationId xmlns:p14="http://schemas.microsoft.com/office/powerpoint/2010/main" val="165604191"/>
       </p:ext>
     </p:extLst>
   </p:cSld>
@@ -10734,8 +10982,8 @@
         </p:nvSpPr>
         <p:spPr>
           <a:xfrm>
-            <a:off x="275855" y="160268"/>
-            <a:ext cx="8791945" cy="1187228"/>
+            <a:off x="301977" y="178052"/>
+            <a:ext cx="9194801" cy="731690"/>
           </a:xfrm>
         </p:spPr>
         <p:txBody>
@@ -10746,7 +10994,7 @@
           <a:p>
             <a:r>
               <a:rPr lang="en-US" b="1" dirty="0"/>
-              <a:t>Visualization of Benchmark F1 Scores</a:t>
+              <a:t>5d. Voting Classifier</a:t>
             </a:r>
             <a:endParaRPr lang="en-CA" b="1" dirty="0"/>
           </a:p>
@@ -10754,17 +11002,19 @@
       </p:sp>
       <p:pic>
         <p:nvPicPr>
-          <p:cNvPr id="3" name="Picture 2">
+          <p:cNvPr id="9" name="Content Placeholder 6">
             <a:extLst>
               <a:ext uri="{FF2B5EF4-FFF2-40B4-BE49-F238E27FC236}">
-                <a16:creationId xmlns:a16="http://schemas.microsoft.com/office/drawing/2014/main" id="{F3E86123-CCFF-46C6-9D12-2F143FC98AC7}"/>
+                <a16:creationId xmlns:a16="http://schemas.microsoft.com/office/drawing/2014/main" id="{089C4EA4-5D21-4A77-87BD-B9F5F5AC0A8F}"/>
               </a:ext>
             </a:extLst>
           </p:cNvPr>
           <p:cNvPicPr>
-            <a:picLocks noChangeAspect="1"/>
+            <a:picLocks noGrp="1" noChangeAspect="1"/>
           </p:cNvPicPr>
-          <p:nvPr/>
+          <p:nvPr>
+            <p:ph idx="1"/>
+          </p:nvPr>
         </p:nvPicPr>
         <p:blipFill>
           <a:blip r:embed="rId3"/>
@@ -10774,8 +11024,8 @@
         </p:blipFill>
         <p:spPr>
           <a:xfrm>
-            <a:off x="10601266" y="1095375"/>
-            <a:ext cx="838317" cy="1038370"/>
+            <a:off x="301977" y="909742"/>
+            <a:ext cx="5600328" cy="2766908"/>
           </a:xfrm>
           <a:prstGeom prst="rect">
             <a:avLst/>
@@ -10787,7 +11037,7 @@
           <p:cNvPr id="5" name="Picture 4">
             <a:extLst>
               <a:ext uri="{FF2B5EF4-FFF2-40B4-BE49-F238E27FC236}">
-                <a16:creationId xmlns:a16="http://schemas.microsoft.com/office/drawing/2014/main" id="{174215E3-B1A9-4E73-BA01-F04EBD1B1412}"/>
+                <a16:creationId xmlns:a16="http://schemas.microsoft.com/office/drawing/2014/main" id="{077B27E9-9EFB-4B67-93DD-135308657D31}"/>
               </a:ext>
             </a:extLst>
           </p:cNvPr>
@@ -10804,8 +11054,8 @@
         </p:blipFill>
         <p:spPr>
           <a:xfrm>
-            <a:off x="1160478" y="1095375"/>
-            <a:ext cx="8968273" cy="5376446"/>
+            <a:off x="3102141" y="5063356"/>
+            <a:ext cx="5117934" cy="736142"/>
           </a:xfrm>
           <a:prstGeom prst="rect">
             <a:avLst/>
@@ -10822,10 +11072,40 @@
           </a:effectLst>
         </p:spPr>
       </p:pic>
+      <p:pic>
+        <p:nvPicPr>
+          <p:cNvPr id="6" name="Picture 5">
+            <a:extLst>
+              <a:ext uri="{FF2B5EF4-FFF2-40B4-BE49-F238E27FC236}">
+                <a16:creationId xmlns:a16="http://schemas.microsoft.com/office/drawing/2014/main" id="{3BD22299-BB18-4969-880A-722304E75AD3}"/>
+              </a:ext>
+            </a:extLst>
+          </p:cNvPr>
+          <p:cNvPicPr>
+            <a:picLocks noChangeAspect="1"/>
+          </p:cNvPicPr>
+          <p:nvPr/>
+        </p:nvPicPr>
+        <p:blipFill>
+          <a:blip r:embed="rId5"/>
+          <a:stretch>
+            <a:fillRect/>
+          </a:stretch>
+        </p:blipFill>
+        <p:spPr>
+          <a:xfrm>
+            <a:off x="6095999" y="901968"/>
+            <a:ext cx="5509001" cy="3679557"/>
+          </a:xfrm>
+          <a:prstGeom prst="rect">
+            <a:avLst/>
+          </a:prstGeom>
+        </p:spPr>
+      </p:pic>
     </p:spTree>
     <p:extLst>
       <p:ext uri="{BB962C8B-B14F-4D97-AF65-F5344CB8AC3E}">
-        <p14:creationId xmlns:p14="http://schemas.microsoft.com/office/powerpoint/2010/main" val="2579375948"/>
+        <p14:creationId xmlns:p14="http://schemas.microsoft.com/office/powerpoint/2010/main" val="1082652757"/>
       </p:ext>
     </p:extLst>
   </p:cSld>
@@ -10857,7 +11137,7 @@
           <p:cNvPr id="5" name="Title 4">
             <a:extLst>
               <a:ext uri="{FF2B5EF4-FFF2-40B4-BE49-F238E27FC236}">
-                <a16:creationId xmlns:a16="http://schemas.microsoft.com/office/drawing/2014/main" id="{AD80C4ED-CCAF-4436-B628-F92797639293}"/>
+                <a16:creationId xmlns:a16="http://schemas.microsoft.com/office/drawing/2014/main" id="{1246C414-6A9A-4270-BF67-CD90FE566E64}"/>
               </a:ext>
             </a:extLst>
           </p:cNvPr>
@@ -10870,30 +11150,37 @@
         </p:nvSpPr>
         <p:spPr>
           <a:xfrm>
-            <a:off x="838200" y="365126"/>
-            <a:ext cx="10515600" cy="692150"/>
+            <a:off x="177800" y="212323"/>
+            <a:ext cx="4064000" cy="1921277"/>
           </a:xfrm>
         </p:spPr>
         <p:txBody>
           <a:bodyPr>
-            <a:normAutofit fontScale="90000"/>
+            <a:normAutofit/>
           </a:bodyPr>
           <a:lstStyle/>
           <a:p>
             <a:r>
               <a:rPr lang="en-US" b="1" dirty="0"/>
-              <a:t>Visualization of  F1 Score Variance by Model Type</a:t>
-            </a:r>
-            <a:endParaRPr lang="en-CA" dirty="0"/>
+              <a:t>Summary Benchmark </a:t>
+            </a:r>
+            <a:br>
+              <a:rPr lang="en-US" b="1" dirty="0"/>
+            </a:br>
+            <a:r>
+              <a:rPr lang="en-US" b="1" dirty="0"/>
+              <a:t>F1 Scores</a:t>
+            </a:r>
+            <a:endParaRPr lang="en-CA" b="1" dirty="0"/>
           </a:p>
         </p:txBody>
       </p:sp>
       <p:pic>
         <p:nvPicPr>
-          <p:cNvPr id="2" name="Picture 1">
+          <p:cNvPr id="3" name="Picture 2">
             <a:extLst>
               <a:ext uri="{FF2B5EF4-FFF2-40B4-BE49-F238E27FC236}">
-                <a16:creationId xmlns:a16="http://schemas.microsoft.com/office/drawing/2014/main" id="{FFF3285F-E5E6-4AA2-8D4A-13B98D9E2D2B}"/>
+                <a16:creationId xmlns:a16="http://schemas.microsoft.com/office/drawing/2014/main" id="{C29E4DEB-F9CF-4316-9B36-C1E040A6107A}"/>
               </a:ext>
             </a:extLst>
           </p:cNvPr>
@@ -10903,15 +11190,45 @@
           <p:nvPr/>
         </p:nvPicPr>
         <p:blipFill>
-          <a:blip r:embed="rId2"/>
+          <a:blip r:embed="rId3"/>
           <a:stretch>
             <a:fillRect/>
           </a:stretch>
         </p:blipFill>
         <p:spPr>
           <a:xfrm>
-            <a:off x="1188498" y="1057276"/>
-            <a:ext cx="9815004" cy="5137817"/>
+            <a:off x="3698855" y="272849"/>
+            <a:ext cx="5744226" cy="5702702"/>
+          </a:xfrm>
+          <a:prstGeom prst="rect">
+            <a:avLst/>
+          </a:prstGeom>
+        </p:spPr>
+      </p:pic>
+      <p:pic>
+        <p:nvPicPr>
+          <p:cNvPr id="7" name="Picture 6">
+            <a:extLst>
+              <a:ext uri="{FF2B5EF4-FFF2-40B4-BE49-F238E27FC236}">
+                <a16:creationId xmlns:a16="http://schemas.microsoft.com/office/drawing/2014/main" id="{14BBC61A-09E4-4DEE-9AFC-61AA3BF7D1E2}"/>
+              </a:ext>
+            </a:extLst>
+          </p:cNvPr>
+          <p:cNvPicPr>
+            <a:picLocks noChangeAspect="1"/>
+          </p:cNvPicPr>
+          <p:nvPr/>
+        </p:nvPicPr>
+        <p:blipFill>
+          <a:blip r:embed="rId4"/>
+          <a:stretch>
+            <a:fillRect/>
+          </a:stretch>
+        </p:blipFill>
+        <p:spPr>
+          <a:xfrm>
+            <a:off x="1152097" y="6080287"/>
+            <a:ext cx="10192178" cy="474791"/>
           </a:xfrm>
           <a:prstGeom prst="rect">
             <a:avLst/>
@@ -10928,10 +11245,51 @@
           </a:effectLst>
         </p:spPr>
       </p:pic>
+      <p:cxnSp>
+        <p:nvCxnSpPr>
+          <p:cNvPr id="9" name="Straight Arrow Connector 8">
+            <a:extLst>
+              <a:ext uri="{FF2B5EF4-FFF2-40B4-BE49-F238E27FC236}">
+                <a16:creationId xmlns:a16="http://schemas.microsoft.com/office/drawing/2014/main" id="{CFB16712-0A08-4739-9334-65E526C505E9}"/>
+              </a:ext>
+            </a:extLst>
+          </p:cNvPr>
+          <p:cNvCxnSpPr>
+            <a:cxnSpLocks/>
+          </p:cNvCxnSpPr>
+          <p:nvPr/>
+        </p:nvCxnSpPr>
+        <p:spPr>
+          <a:xfrm flipH="1">
+            <a:off x="1571625" y="2962275"/>
+            <a:ext cx="2127230" cy="3118012"/>
+          </a:xfrm>
+          <a:prstGeom prst="straightConnector1">
+            <a:avLst/>
+          </a:prstGeom>
+          <a:ln w="85725">
+            <a:tailEnd type="triangle"/>
+          </a:ln>
+        </p:spPr>
+        <p:style>
+          <a:lnRef idx="1">
+            <a:schemeClr val="accent1"/>
+          </a:lnRef>
+          <a:fillRef idx="0">
+            <a:schemeClr val="accent1"/>
+          </a:fillRef>
+          <a:effectRef idx="0">
+            <a:schemeClr val="accent1"/>
+          </a:effectRef>
+          <a:fontRef idx="minor">
+            <a:schemeClr val="tx1"/>
+          </a:fontRef>
+        </p:style>
+      </p:cxnSp>
     </p:spTree>
     <p:extLst>
       <p:ext uri="{BB962C8B-B14F-4D97-AF65-F5344CB8AC3E}">
-        <p14:creationId xmlns:p14="http://schemas.microsoft.com/office/powerpoint/2010/main" val="642911829"/>
+        <p14:creationId xmlns:p14="http://schemas.microsoft.com/office/powerpoint/2010/main" val="4188742258"/>
       </p:ext>
     </p:extLst>
   </p:cSld>
@@ -10976,6 +11334,340 @@
         </p:nvSpPr>
         <p:spPr>
           <a:xfrm>
+            <a:off x="275855" y="160268"/>
+            <a:ext cx="8791945" cy="1187228"/>
+          </a:xfrm>
+        </p:spPr>
+        <p:txBody>
+          <a:bodyPr>
+            <a:normAutofit/>
+          </a:bodyPr>
+          <a:lstStyle/>
+          <a:p>
+            <a:r>
+              <a:rPr lang="en-US" b="1" dirty="0"/>
+              <a:t>Visualization of Benchmark F1 Scores</a:t>
+            </a:r>
+            <a:endParaRPr lang="en-CA" b="1" dirty="0"/>
+          </a:p>
+        </p:txBody>
+      </p:sp>
+      <p:pic>
+        <p:nvPicPr>
+          <p:cNvPr id="4" name="Picture 3">
+            <a:extLst>
+              <a:ext uri="{FF2B5EF4-FFF2-40B4-BE49-F238E27FC236}">
+                <a16:creationId xmlns:a16="http://schemas.microsoft.com/office/drawing/2014/main" id="{D6A8687A-AE38-4ECE-992D-103DA03AC3DC}"/>
+              </a:ext>
+            </a:extLst>
+          </p:cNvPr>
+          <p:cNvPicPr>
+            <a:picLocks noChangeAspect="1"/>
+          </p:cNvPicPr>
+          <p:nvPr/>
+        </p:nvPicPr>
+        <p:blipFill>
+          <a:blip r:embed="rId3"/>
+          <a:stretch>
+            <a:fillRect/>
+          </a:stretch>
+        </p:blipFill>
+        <p:spPr>
+          <a:xfrm>
+            <a:off x="1189884" y="1118894"/>
+            <a:ext cx="9678141" cy="5111449"/>
+          </a:xfrm>
+          <a:prstGeom prst="rect">
+            <a:avLst/>
+          </a:prstGeom>
+        </p:spPr>
+      </p:pic>
+    </p:spTree>
+    <p:extLst>
+      <p:ext uri="{BB962C8B-B14F-4D97-AF65-F5344CB8AC3E}">
+        <p14:creationId xmlns:p14="http://schemas.microsoft.com/office/powerpoint/2010/main" val="2579375948"/>
+      </p:ext>
+    </p:extLst>
+  </p:cSld>
+  <p:clrMapOvr>
+    <a:masterClrMapping/>
+  </p:clrMapOvr>
+</p:sld>
+</file>
+
+<file path=ppt/slides/slide2.xml><?xml version="1.0" encoding="utf-8"?>
+<p:sld xmlns:a="http://schemas.openxmlformats.org/drawingml/2006/main" xmlns:r="http://schemas.openxmlformats.org/officeDocument/2006/relationships" xmlns:p="http://schemas.openxmlformats.org/presentationml/2006/main">
+  <p:cSld>
+    <p:spTree>
+      <p:nvGrpSpPr>
+        <p:cNvPr id="1" name=""/>
+        <p:cNvGrpSpPr/>
+        <p:nvPr/>
+      </p:nvGrpSpPr>
+      <p:grpSpPr>
+        <a:xfrm>
+          <a:off x="0" y="0"/>
+          <a:ext cx="0" cy="0"/>
+          <a:chOff x="0" y="0"/>
+          <a:chExt cx="0" cy="0"/>
+        </a:xfrm>
+      </p:grpSpPr>
+      <p:sp>
+        <p:nvSpPr>
+          <p:cNvPr id="4" name="Title 3">
+            <a:extLst>
+              <a:ext uri="{FF2B5EF4-FFF2-40B4-BE49-F238E27FC236}">
+                <a16:creationId xmlns:a16="http://schemas.microsoft.com/office/drawing/2014/main" id="{311E55CB-BA9F-49CC-844D-A22FA095A609}"/>
+              </a:ext>
+            </a:extLst>
+          </p:cNvPr>
+          <p:cNvSpPr>
+            <a:spLocks noGrp="1"/>
+          </p:cNvSpPr>
+          <p:nvPr>
+            <p:ph type="title"/>
+          </p:nvPr>
+        </p:nvSpPr>
+        <p:spPr/>
+        <p:txBody>
+          <a:bodyPr/>
+          <a:lstStyle/>
+          <a:p>
+            <a:r>
+              <a:rPr lang="en-US" dirty="0"/>
+              <a:t>CSML1010 – Milestone 2</a:t>
+            </a:r>
+            <a:endParaRPr lang="en-CA" dirty="0"/>
+          </a:p>
+        </p:txBody>
+      </p:sp>
+      <p:sp>
+        <p:nvSpPr>
+          <p:cNvPr id="5" name="Content Placeholder 4">
+            <a:extLst>
+              <a:ext uri="{FF2B5EF4-FFF2-40B4-BE49-F238E27FC236}">
+                <a16:creationId xmlns:a16="http://schemas.microsoft.com/office/drawing/2014/main" id="{CCEDE552-9463-4CD8-8C88-2214A514F6F2}"/>
+              </a:ext>
+            </a:extLst>
+          </p:cNvPr>
+          <p:cNvSpPr>
+            <a:spLocks noGrp="1"/>
+          </p:cNvSpPr>
+          <p:nvPr>
+            <p:ph idx="1"/>
+          </p:nvPr>
+        </p:nvSpPr>
+        <p:spPr>
+          <a:xfrm>
+            <a:off x="838200" y="1825625"/>
+            <a:ext cx="10528300" cy="4351338"/>
+          </a:xfrm>
+        </p:spPr>
+        <p:txBody>
+          <a:bodyPr>
+            <a:normAutofit/>
+          </a:bodyPr>
+          <a:lstStyle/>
+          <a:p>
+            <a:r>
+              <a:rPr lang="en-US" sz="2000" dirty="0"/>
+              <a:t>Dataset: Taskmaster-1 from Google</a:t>
+            </a:r>
+          </a:p>
+          <a:p>
+            <a:r>
+              <a:rPr lang="en-US" sz="2000" dirty="0"/>
+              <a:t>NLP Multi-Class Text Classification Problem</a:t>
+            </a:r>
+          </a:p>
+          <a:p>
+            <a:r>
+              <a:rPr lang="en-US" sz="2000" dirty="0"/>
+              <a:t>Data Preparation</a:t>
+            </a:r>
+          </a:p>
+          <a:p>
+            <a:r>
+              <a:rPr lang="en-US" sz="2000" dirty="0"/>
+              <a:t>Data Clean Up</a:t>
+            </a:r>
+          </a:p>
+          <a:p>
+            <a:r>
+              <a:rPr lang="en-US" sz="2000" dirty="0"/>
+              <a:t>Exploratory Data Analysis</a:t>
+            </a:r>
+          </a:p>
+          <a:p>
+            <a:r>
+              <a:rPr lang="en-US" sz="2000" dirty="0"/>
+              <a:t>Feature Extraction &amp; Engineering</a:t>
+            </a:r>
+          </a:p>
+          <a:p>
+            <a:r>
+              <a:rPr lang="en-US" sz="2000" dirty="0"/>
+              <a:t>Feature Scaling &amp; Selection</a:t>
+            </a:r>
+          </a:p>
+          <a:p>
+            <a:r>
+              <a:rPr lang="en-US" b="1" dirty="0"/>
+              <a:t>Modeling </a:t>
+            </a:r>
+          </a:p>
+          <a:p>
+            <a:r>
+              <a:rPr lang="en-US" b="1" dirty="0"/>
+              <a:t>Model Evaluation &amp; Tuning</a:t>
+            </a:r>
+          </a:p>
+        </p:txBody>
+      </p:sp>
+    </p:spTree>
+    <p:extLst>
+      <p:ext uri="{BB962C8B-B14F-4D97-AF65-F5344CB8AC3E}">
+        <p14:creationId xmlns:p14="http://schemas.microsoft.com/office/powerpoint/2010/main" val="1220763550"/>
+      </p:ext>
+    </p:extLst>
+  </p:cSld>
+  <p:clrMapOvr>
+    <a:masterClrMapping/>
+  </p:clrMapOvr>
+</p:sld>
+</file>
+
+<file path=ppt/slides/slide20.xml><?xml version="1.0" encoding="utf-8"?>
+<p:sld xmlns:a="http://schemas.openxmlformats.org/drawingml/2006/main" xmlns:r="http://schemas.openxmlformats.org/officeDocument/2006/relationships" xmlns:p="http://schemas.openxmlformats.org/presentationml/2006/main">
+  <p:cSld>
+    <p:spTree>
+      <p:nvGrpSpPr>
+        <p:cNvPr id="1" name=""/>
+        <p:cNvGrpSpPr/>
+        <p:nvPr/>
+      </p:nvGrpSpPr>
+      <p:grpSpPr>
+        <a:xfrm>
+          <a:off x="0" y="0"/>
+          <a:ext cx="0" cy="0"/>
+          <a:chOff x="0" y="0"/>
+          <a:chExt cx="0" cy="0"/>
+        </a:xfrm>
+      </p:grpSpPr>
+      <p:sp>
+        <p:nvSpPr>
+          <p:cNvPr id="5" name="Title 4">
+            <a:extLst>
+              <a:ext uri="{FF2B5EF4-FFF2-40B4-BE49-F238E27FC236}">
+                <a16:creationId xmlns:a16="http://schemas.microsoft.com/office/drawing/2014/main" id="{AD80C4ED-CCAF-4436-B628-F92797639293}"/>
+              </a:ext>
+            </a:extLst>
+          </p:cNvPr>
+          <p:cNvSpPr>
+            <a:spLocks noGrp="1"/>
+          </p:cNvSpPr>
+          <p:nvPr>
+            <p:ph type="title"/>
+          </p:nvPr>
+        </p:nvSpPr>
+        <p:spPr>
+          <a:xfrm>
+            <a:off x="838200" y="365126"/>
+            <a:ext cx="10515600" cy="692150"/>
+          </a:xfrm>
+        </p:spPr>
+        <p:txBody>
+          <a:bodyPr>
+            <a:normAutofit fontScale="90000"/>
+          </a:bodyPr>
+          <a:lstStyle/>
+          <a:p>
+            <a:r>
+              <a:rPr lang="en-US" b="1" dirty="0"/>
+              <a:t>Visualization of  F1 Score Variance by Model Type</a:t>
+            </a:r>
+            <a:endParaRPr lang="en-CA" dirty="0"/>
+          </a:p>
+        </p:txBody>
+      </p:sp>
+      <p:pic>
+        <p:nvPicPr>
+          <p:cNvPr id="3" name="Picture 2">
+            <a:extLst>
+              <a:ext uri="{FF2B5EF4-FFF2-40B4-BE49-F238E27FC236}">
+                <a16:creationId xmlns:a16="http://schemas.microsoft.com/office/drawing/2014/main" id="{59B88BCC-E5F0-4FB7-8A2B-8B7D710EAFB2}"/>
+              </a:ext>
+            </a:extLst>
+          </p:cNvPr>
+          <p:cNvPicPr>
+            <a:picLocks noChangeAspect="1"/>
+          </p:cNvPicPr>
+          <p:nvPr/>
+        </p:nvPicPr>
+        <p:blipFill>
+          <a:blip r:embed="rId2"/>
+          <a:stretch>
+            <a:fillRect/>
+          </a:stretch>
+        </p:blipFill>
+        <p:spPr>
+          <a:xfrm>
+            <a:off x="1423424" y="1057275"/>
+            <a:ext cx="9692251" cy="5137923"/>
+          </a:xfrm>
+          <a:prstGeom prst="rect">
+            <a:avLst/>
+          </a:prstGeom>
+        </p:spPr>
+      </p:pic>
+    </p:spTree>
+    <p:extLst>
+      <p:ext uri="{BB962C8B-B14F-4D97-AF65-F5344CB8AC3E}">
+        <p14:creationId xmlns:p14="http://schemas.microsoft.com/office/powerpoint/2010/main" val="642911829"/>
+      </p:ext>
+    </p:extLst>
+  </p:cSld>
+  <p:clrMapOvr>
+    <a:masterClrMapping/>
+  </p:clrMapOvr>
+</p:sld>
+</file>
+
+<file path=ppt/slides/slide21.xml><?xml version="1.0" encoding="utf-8"?>
+<p:sld xmlns:a="http://schemas.openxmlformats.org/drawingml/2006/main" xmlns:r="http://schemas.openxmlformats.org/officeDocument/2006/relationships" xmlns:p="http://schemas.openxmlformats.org/presentationml/2006/main">
+  <p:cSld>
+    <p:spTree>
+      <p:nvGrpSpPr>
+        <p:cNvPr id="1" name=""/>
+        <p:cNvGrpSpPr/>
+        <p:nvPr/>
+      </p:nvGrpSpPr>
+      <p:grpSpPr>
+        <a:xfrm>
+          <a:off x="0" y="0"/>
+          <a:ext cx="0" cy="0"/>
+          <a:chOff x="0" y="0"/>
+          <a:chExt cx="0" cy="0"/>
+        </a:xfrm>
+      </p:grpSpPr>
+      <p:sp>
+        <p:nvSpPr>
+          <p:cNvPr id="2" name="Title 1">
+            <a:extLst>
+              <a:ext uri="{FF2B5EF4-FFF2-40B4-BE49-F238E27FC236}">
+                <a16:creationId xmlns:a16="http://schemas.microsoft.com/office/drawing/2014/main" id="{078EF1BB-AFD2-4159-A52A-3DC689ABE7D4}"/>
+              </a:ext>
+            </a:extLst>
+          </p:cNvPr>
+          <p:cNvSpPr>
+            <a:spLocks noGrp="1"/>
+          </p:cNvSpPr>
+          <p:nvPr>
+            <p:ph type="title"/>
+          </p:nvPr>
+        </p:nvSpPr>
+        <p:spPr>
+          <a:xfrm>
             <a:off x="382230" y="309225"/>
             <a:ext cx="10958870" cy="793134"/>
           </a:xfrm>
@@ -11009,7 +11701,7 @@
           <p:nvPr>
             <p:extLst>
               <p:ext uri="{D42A27DB-BD31-4B8C-83A1-F6EECF244321}">
-                <p14:modId xmlns:p14="http://schemas.microsoft.com/office/powerpoint/2010/main" val="3439025274"/>
+                <p14:modId xmlns:p14="http://schemas.microsoft.com/office/powerpoint/2010/main" val="32467343"/>
               </p:ext>
             </p:extLst>
           </p:nvPr>
@@ -11378,7 +12070,7 @@
                       </a:pPr>
                       <a:r>
                         <a:rPr lang="en-US" sz="2400" dirty="0"/>
-                        <a:t>Alpha = 0.42</a:t>
+                        <a:t>Alpha = 0.3</a:t>
                       </a:r>
                     </a:p>
                     <a:p>
@@ -11405,7 +12097,7 @@
                       </a:r>
                       <a:r>
                         <a:rPr lang="en-US" sz="2400" dirty="0"/>
-                        <a:t> = True</a:t>
+                        <a:t> = False</a:t>
                       </a:r>
                     </a:p>
                     <a:p>
@@ -11492,7 +12184,7 @@
                       </a:pPr>
                       <a:r>
                         <a:rPr lang="en-US" sz="2400" dirty="0"/>
-                        <a:t>0.7466944</a:t>
+                        <a:t>0.9429960</a:t>
                       </a:r>
                     </a:p>
                   </a:txBody>
@@ -11512,148 +12204,6 @@
     <p:extLst>
       <p:ext uri="{BB962C8B-B14F-4D97-AF65-F5344CB8AC3E}">
         <p14:creationId xmlns:p14="http://schemas.microsoft.com/office/powerpoint/2010/main" val="1819989284"/>
-      </p:ext>
-    </p:extLst>
-  </p:cSld>
-  <p:clrMapOvr>
-    <a:masterClrMapping/>
-  </p:clrMapOvr>
-</p:sld>
-</file>
-
-<file path=ppt/slides/slide2.xml><?xml version="1.0" encoding="utf-8"?>
-<p:sld xmlns:a="http://schemas.openxmlformats.org/drawingml/2006/main" xmlns:r="http://schemas.openxmlformats.org/officeDocument/2006/relationships" xmlns:p="http://schemas.openxmlformats.org/presentationml/2006/main">
-  <p:cSld>
-    <p:spTree>
-      <p:nvGrpSpPr>
-        <p:cNvPr id="1" name=""/>
-        <p:cNvGrpSpPr/>
-        <p:nvPr/>
-      </p:nvGrpSpPr>
-      <p:grpSpPr>
-        <a:xfrm>
-          <a:off x="0" y="0"/>
-          <a:ext cx="0" cy="0"/>
-          <a:chOff x="0" y="0"/>
-          <a:chExt cx="0" cy="0"/>
-        </a:xfrm>
-      </p:grpSpPr>
-      <p:sp>
-        <p:nvSpPr>
-          <p:cNvPr id="4" name="Title 3">
-            <a:extLst>
-              <a:ext uri="{FF2B5EF4-FFF2-40B4-BE49-F238E27FC236}">
-                <a16:creationId xmlns:a16="http://schemas.microsoft.com/office/drawing/2014/main" id="{311E55CB-BA9F-49CC-844D-A22FA095A609}"/>
-              </a:ext>
-            </a:extLst>
-          </p:cNvPr>
-          <p:cNvSpPr>
-            <a:spLocks noGrp="1"/>
-          </p:cNvSpPr>
-          <p:nvPr>
-            <p:ph type="title"/>
-          </p:nvPr>
-        </p:nvSpPr>
-        <p:spPr/>
-        <p:txBody>
-          <a:bodyPr/>
-          <a:lstStyle/>
-          <a:p>
-            <a:r>
-              <a:rPr lang="en-US" dirty="0"/>
-              <a:t>CSML1010 – Milestone 2</a:t>
-            </a:r>
-            <a:endParaRPr lang="en-CA" dirty="0"/>
-          </a:p>
-        </p:txBody>
-      </p:sp>
-      <p:sp>
-        <p:nvSpPr>
-          <p:cNvPr id="5" name="Content Placeholder 4">
-            <a:extLst>
-              <a:ext uri="{FF2B5EF4-FFF2-40B4-BE49-F238E27FC236}">
-                <a16:creationId xmlns:a16="http://schemas.microsoft.com/office/drawing/2014/main" id="{CCEDE552-9463-4CD8-8C88-2214A514F6F2}"/>
-              </a:ext>
-            </a:extLst>
-          </p:cNvPr>
-          <p:cNvSpPr>
-            <a:spLocks noGrp="1"/>
-          </p:cNvSpPr>
-          <p:nvPr>
-            <p:ph idx="1"/>
-          </p:nvPr>
-        </p:nvSpPr>
-        <p:spPr>
-          <a:xfrm>
-            <a:off x="838200" y="1825625"/>
-            <a:ext cx="10528300" cy="4351338"/>
-          </a:xfrm>
-        </p:spPr>
-        <p:txBody>
-          <a:bodyPr>
-            <a:normAutofit/>
-          </a:bodyPr>
-          <a:lstStyle/>
-          <a:p>
-            <a:r>
-              <a:rPr lang="en-US" sz="2000" dirty="0"/>
-              <a:t>Dataset: Taskmaster-1 from Google</a:t>
-            </a:r>
-          </a:p>
-          <a:p>
-            <a:r>
-              <a:rPr lang="en-US" sz="2000" dirty="0"/>
-              <a:t>NLP Multi-Class Text Classification Problem</a:t>
-            </a:r>
-          </a:p>
-          <a:p>
-            <a:r>
-              <a:rPr lang="en-US" sz="2000" dirty="0"/>
-              <a:t>Data Preparation</a:t>
-            </a:r>
-          </a:p>
-          <a:p>
-            <a:r>
-              <a:rPr lang="en-US" sz="2000" dirty="0"/>
-              <a:t>Data Clean Up</a:t>
-            </a:r>
-          </a:p>
-          <a:p>
-            <a:r>
-              <a:rPr lang="en-US" sz="2000" dirty="0"/>
-              <a:t>Exploratory Data Analysis</a:t>
-            </a:r>
-          </a:p>
-          <a:p>
-            <a:r>
-              <a:rPr lang="en-US" sz="2000" dirty="0"/>
-              <a:t>Feature Extraction &amp; Engineering</a:t>
-            </a:r>
-          </a:p>
-          <a:p>
-            <a:r>
-              <a:rPr lang="en-US" sz="2000" dirty="0"/>
-              <a:t>Feature Scaling &amp; Selection</a:t>
-            </a:r>
-          </a:p>
-          <a:p>
-            <a:r>
-              <a:rPr lang="en-US" b="1" dirty="0"/>
-              <a:t>Modeling </a:t>
-            </a:r>
-          </a:p>
-          <a:p>
-            <a:r>
-              <a:rPr lang="en-US" b="1" dirty="0"/>
-              <a:t>Model Evaluation &amp; Tuning</a:t>
-            </a:r>
-          </a:p>
-        </p:txBody>
-      </p:sp>
-    </p:spTree>
-    <p:extLst>
-      <p:ext uri="{BB962C8B-B14F-4D97-AF65-F5344CB8AC3E}">
-        <p14:creationId xmlns:p14="http://schemas.microsoft.com/office/powerpoint/2010/main" val="1220763550"/>
       </p:ext>
     </p:extLst>
   </p:cSld>
@@ -13023,14 +13573,14 @@
           <p:nvPr>
             <p:extLst>
               <p:ext uri="{D42A27DB-BD31-4B8C-83A1-F6EECF244321}">
-                <p14:modId xmlns:p14="http://schemas.microsoft.com/office/powerpoint/2010/main" val="3000363065"/>
+                <p14:modId xmlns:p14="http://schemas.microsoft.com/office/powerpoint/2010/main" val="3970531049"/>
               </p:ext>
             </p:extLst>
           </p:nvPr>
         </p:nvGraphicFramePr>
         <p:xfrm>
           <a:off x="2590800" y="1110810"/>
-          <a:ext cx="7010400" cy="5035459"/>
+          <a:ext cx="6124575" cy="5463220"/>
         </p:xfrm>
         <a:graphic>
           <a:graphicData uri="http://schemas.openxmlformats.org/drawingml/2006/table">
@@ -13039,14 +13589,14 @@
                 <a:tableStyleId>{5C22544A-7EE6-4342-B048-85BDC9FD1C3A}</a:tableStyleId>
               </a:tblPr>
               <a:tblGrid>
-                <a:gridCol w="3441700">
+                <a:gridCol w="3006811">
                   <a:extLst>
                     <a:ext uri="{9D8B030D-6E8A-4147-A177-3AD203B41FA5}">
                       <a16:colId xmlns:a16="http://schemas.microsoft.com/office/drawing/2014/main" val="411247490"/>
                     </a:ext>
                   </a:extLst>
                 </a:gridCol>
-                <a:gridCol w="3568700">
+                <a:gridCol w="3117764">
                   <a:extLst>
                     <a:ext uri="{9D8B030D-6E8A-4147-A177-3AD203B41FA5}">
                       <a16:colId xmlns:a16="http://schemas.microsoft.com/office/drawing/2014/main" val="2779015370"/>
@@ -13054,7 +13604,7 @@
                   </a:extLst>
                 </a:gridCol>
               </a:tblGrid>
-              <a:tr h="457023">
+              <a:tr h="392837">
                 <a:tc>
                   <a:txBody>
                     <a:bodyPr/>
@@ -13089,7 +13639,7 @@
                   </a:ext>
                 </a:extLst>
               </a:tr>
-              <a:tr h="457023">
+              <a:tr h="392837">
                 <a:tc rowSpan="4">
                   <a:txBody>
                     <a:bodyPr/>
@@ -13190,7 +13740,7 @@
                   </a:ext>
                 </a:extLst>
               </a:tr>
-              <a:tr h="457023">
+              <a:tr h="392837">
                 <a:tc vMerge="1">
                   <a:txBody>
                     <a:bodyPr/>
@@ -13254,7 +13804,7 @@
                   </a:ext>
                 </a:extLst>
               </a:tr>
-              <a:tr h="457023">
+              <a:tr h="392837">
                 <a:tc vMerge="1">
                   <a:txBody>
                     <a:bodyPr/>
@@ -13302,7 +13852,7 @@
                   </a:ext>
                 </a:extLst>
               </a:tr>
-              <a:tr h="457023">
+              <a:tr h="392837">
                 <a:tc vMerge="1">
                   <a:txBody>
                     <a:bodyPr/>
@@ -13350,7 +13900,7 @@
                   </a:ext>
                 </a:extLst>
               </a:tr>
-              <a:tr h="457023">
+              <a:tr h="653918">
                 <a:tc>
                   <a:txBody>
                     <a:bodyPr/>
@@ -13418,7 +13968,7 @@
                   </a:ext>
                 </a:extLst>
               </a:tr>
-              <a:tr h="457023">
+              <a:tr h="392837">
                 <a:tc rowSpan="2">
                   <a:txBody>
                     <a:bodyPr/>
@@ -13485,7 +14035,7 @@
                   </a:ext>
                 </a:extLst>
               </a:tr>
-              <a:tr h="465229">
+              <a:tr h="399890">
                 <a:tc vMerge="1">
                   <a:txBody>
                     <a:bodyPr/>
@@ -13549,8 +14099,8 @@
                   </a:ext>
                 </a:extLst>
               </a:tr>
-              <a:tr h="457023">
-                <a:tc rowSpan="3">
+              <a:tr h="399890">
+                <a:tc>
                   <a:txBody>
                     <a:bodyPr/>
                     <a:lstStyle/>
@@ -13574,7 +14124,74 @@
                       </a:pPr>
                       <a:r>
                         <a:rPr lang="en-US" sz="2000" b="1" dirty="0"/>
-                        <a:t>4. Ensemble Learning</a:t>
+                        <a:t>4. ROC Curves</a:t>
+                      </a:r>
+                    </a:p>
+                  </a:txBody>
+                  <a:tcPr/>
+                </a:tc>
+                <a:tc>
+                  <a:txBody>
+                    <a:bodyPr/>
+                    <a:lstStyle/>
+                    <a:p>
+                      <a:pPr marL="0" marR="0" lvl="0" indent="0" algn="l" defTabSz="914400" rtl="0" eaLnBrk="1" fontAlgn="auto" latinLnBrk="0" hangingPunct="1">
+                        <a:lnSpc>
+                          <a:spcPct val="100000"/>
+                        </a:lnSpc>
+                        <a:spcBef>
+                          <a:spcPts val="0"/>
+                        </a:spcBef>
+                        <a:spcAft>
+                          <a:spcPts val="0"/>
+                        </a:spcAft>
+                        <a:buClrTx/>
+                        <a:buSzTx/>
+                        <a:buFontTx/>
+                        <a:buNone/>
+                        <a:tabLst/>
+                        <a:defRPr/>
+                      </a:pPr>
+                      <a:r>
+                        <a:rPr lang="en-US" sz="2000" dirty="0"/>
+                        <a:t>AUC </a:t>
+                      </a:r>
+                    </a:p>
+                  </a:txBody>
+                  <a:tcPr/>
+                </a:tc>
+                <a:extLst>
+                  <a:ext uri="{0D108BD9-81ED-4DB2-BD59-A6C34878D82A}">
+                    <a16:rowId xmlns:a16="http://schemas.microsoft.com/office/drawing/2014/main" val="134420537"/>
+                  </a:ext>
+                </a:extLst>
+              </a:tr>
+              <a:tr h="392837">
+                <a:tc rowSpan="4">
+                  <a:txBody>
+                    <a:bodyPr/>
+                    <a:lstStyle/>
+                    <a:p>
+                      <a:pPr marL="0" marR="0" lvl="0" indent="0" algn="l" defTabSz="914400" rtl="0" eaLnBrk="1" fontAlgn="auto" latinLnBrk="0" hangingPunct="1">
+                        <a:lnSpc>
+                          <a:spcPct val="100000"/>
+                        </a:lnSpc>
+                        <a:spcBef>
+                          <a:spcPts val="0"/>
+                        </a:spcBef>
+                        <a:spcAft>
+                          <a:spcPts val="0"/>
+                        </a:spcAft>
+                        <a:buClrTx/>
+                        <a:buSzTx/>
+                        <a:buFontTx/>
+                        <a:buNone/>
+                        <a:tabLst/>
+                        <a:defRPr/>
+                      </a:pPr>
+                      <a:r>
+                        <a:rPr lang="en-US" sz="2000" b="1" dirty="0"/>
+                        <a:t>5. Ensemble Learning</a:t>
                       </a:r>
                     </a:p>
                   </a:txBody>
@@ -13600,7 +14217,7 @@
                   </a:ext>
                 </a:extLst>
               </a:tr>
-              <a:tr h="457023">
+              <a:tr h="392837">
                 <a:tc vMerge="1">
                   <a:txBody>
                     <a:bodyPr/>
@@ -13648,7 +14265,7 @@
                   </a:ext>
                 </a:extLst>
               </a:tr>
-              <a:tr h="457023">
+              <a:tr h="392837">
                 <a:tc vMerge="1">
                   <a:txBody>
                     <a:bodyPr/>
@@ -13712,6 +14329,70 @@
                   </a:ext>
                 </a:extLst>
               </a:tr>
+              <a:tr h="392837">
+                <a:tc vMerge="1">
+                  <a:txBody>
+                    <a:bodyPr/>
+                    <a:lstStyle/>
+                    <a:p>
+                      <a:pPr marL="0" marR="0" lvl="0" indent="0" algn="l" defTabSz="914400" rtl="0" eaLnBrk="1" fontAlgn="auto" latinLnBrk="0" hangingPunct="1">
+                        <a:lnSpc>
+                          <a:spcPct val="100000"/>
+                        </a:lnSpc>
+                        <a:spcBef>
+                          <a:spcPts val="0"/>
+                        </a:spcBef>
+                        <a:spcAft>
+                          <a:spcPts val="0"/>
+                        </a:spcAft>
+                        <a:buClrTx/>
+                        <a:buSzTx/>
+                        <a:buFontTx/>
+                        <a:buNone/>
+                        <a:tabLst/>
+                        <a:defRPr/>
+                      </a:pPr>
+                      <a:endParaRPr lang="en-US" sz="2000" b="1" dirty="0"/>
+                    </a:p>
+                  </a:txBody>
+                  <a:tcPr/>
+                </a:tc>
+                <a:tc>
+                  <a:txBody>
+                    <a:bodyPr/>
+                    <a:lstStyle/>
+                    <a:p>
+                      <a:pPr marL="0" marR="0" lvl="0" indent="0" algn="l" defTabSz="914400" rtl="0" eaLnBrk="1" fontAlgn="auto" latinLnBrk="0" hangingPunct="1">
+                        <a:lnSpc>
+                          <a:spcPct val="100000"/>
+                        </a:lnSpc>
+                        <a:spcBef>
+                          <a:spcPts val="0"/>
+                        </a:spcBef>
+                        <a:spcAft>
+                          <a:spcPts val="0"/>
+                        </a:spcAft>
+                        <a:buClrTx/>
+                        <a:buSzTx/>
+                        <a:buFontTx/>
+                        <a:buNone/>
+                        <a:tabLst/>
+                        <a:defRPr/>
+                      </a:pPr>
+                      <a:r>
+                        <a:rPr lang="en-US" sz="2000" dirty="0"/>
+                        <a:t>Voting</a:t>
+                      </a:r>
+                    </a:p>
+                  </a:txBody>
+                  <a:tcPr/>
+                </a:tc>
+                <a:extLst>
+                  <a:ext uri="{0D108BD9-81ED-4DB2-BD59-A6C34878D82A}">
+                    <a16:rowId xmlns:a16="http://schemas.microsoft.com/office/drawing/2014/main" val="3294186177"/>
+                  </a:ext>
+                </a:extLst>
+              </a:tr>
             </a:tbl>
           </a:graphicData>
         </a:graphic>
@@ -13769,12 +14450,14 @@
           </a:xfrm>
         </p:spPr>
         <p:txBody>
-          <a:bodyPr/>
+          <a:bodyPr>
+            <a:normAutofit fontScale="90000"/>
+          </a:bodyPr>
           <a:lstStyle/>
           <a:p>
             <a:r>
               <a:rPr lang="en-US" b="1" dirty="0"/>
-              <a:t>1. Models Benchmark - Bag of Words</a:t>
+              <a:t>1. Baseline – Models Benchmark - Bag of Words</a:t>
             </a:r>
             <a:endParaRPr lang="en-CA" b="1" dirty="0"/>
           </a:p>
@@ -13894,46 +14577,6 @@
       </p:sp>
       <p:pic>
         <p:nvPicPr>
-          <p:cNvPr id="3" name="Picture 2">
-            <a:extLst>
-              <a:ext uri="{FF2B5EF4-FFF2-40B4-BE49-F238E27FC236}">
-                <a16:creationId xmlns:a16="http://schemas.microsoft.com/office/drawing/2014/main" id="{D67EDD61-F0A5-413D-92C3-DB3AB963633B}"/>
-              </a:ext>
-            </a:extLst>
-          </p:cNvPr>
-          <p:cNvPicPr>
-            <a:picLocks noChangeAspect="1"/>
-          </p:cNvPicPr>
-          <p:nvPr/>
-        </p:nvPicPr>
-        <p:blipFill>
-          <a:blip r:embed="rId3"/>
-          <a:stretch>
-            <a:fillRect/>
-          </a:stretch>
-        </p:blipFill>
-        <p:spPr>
-          <a:xfrm>
-            <a:off x="6096000" y="1761153"/>
-            <a:ext cx="5975976" cy="2647951"/>
-          </a:xfrm>
-          <a:prstGeom prst="rect">
-            <a:avLst/>
-          </a:prstGeom>
-          <a:ln>
-            <a:noFill/>
-          </a:ln>
-          <a:effectLst>
-            <a:outerShdw blurRad="292100" dist="139700" dir="2700000" algn="tl" rotWithShape="0">
-              <a:srgbClr val="333333">
-                <a:alpha val="65000"/>
-              </a:srgbClr>
-            </a:outerShdw>
-          </a:effectLst>
-        </p:spPr>
-      </p:pic>
-      <p:pic>
-        <p:nvPicPr>
           <p:cNvPr id="4" name="Picture 3">
             <a:extLst>
               <a:ext uri="{FF2B5EF4-FFF2-40B4-BE49-F238E27FC236}">
@@ -13947,7 +14590,7 @@
           <p:nvPr/>
         </p:nvPicPr>
         <p:blipFill>
-          <a:blip r:embed="rId4"/>
+          <a:blip r:embed="rId3"/>
           <a:stretch>
             <a:fillRect/>
           </a:stretch>
@@ -13974,10 +14617,50 @@
       </p:pic>
       <p:pic>
         <p:nvPicPr>
-          <p:cNvPr id="5" name="Picture 4">
+          <p:cNvPr id="6" name="Picture 5">
             <a:extLst>
               <a:ext uri="{FF2B5EF4-FFF2-40B4-BE49-F238E27FC236}">
-                <a16:creationId xmlns:a16="http://schemas.microsoft.com/office/drawing/2014/main" id="{03663115-058E-4F4D-B64F-2DC63AA27D52}"/>
+                <a16:creationId xmlns:a16="http://schemas.microsoft.com/office/drawing/2014/main" id="{AB4DFF6E-B629-4481-8218-EFB147D16BD0}"/>
+              </a:ext>
+            </a:extLst>
+          </p:cNvPr>
+          <p:cNvPicPr>
+            <a:picLocks noChangeAspect="1"/>
+          </p:cNvPicPr>
+          <p:nvPr/>
+        </p:nvPicPr>
+        <p:blipFill>
+          <a:blip r:embed="rId4"/>
+          <a:stretch>
+            <a:fillRect/>
+          </a:stretch>
+        </p:blipFill>
+        <p:spPr>
+          <a:xfrm>
+            <a:off x="1257932" y="5304813"/>
+            <a:ext cx="9518625" cy="1257911"/>
+          </a:xfrm>
+          <a:prstGeom prst="rect">
+            <a:avLst/>
+          </a:prstGeom>
+          <a:ln>
+            <a:noFill/>
+          </a:ln>
+          <a:effectLst>
+            <a:outerShdw blurRad="292100" dist="139700" dir="2700000" algn="tl" rotWithShape="0">
+              <a:srgbClr val="333333">
+                <a:alpha val="65000"/>
+              </a:srgbClr>
+            </a:outerShdw>
+          </a:effectLst>
+        </p:spPr>
+      </p:pic>
+      <p:pic>
+        <p:nvPicPr>
+          <p:cNvPr id="7" name="Picture 6">
+            <a:extLst>
+              <a:ext uri="{FF2B5EF4-FFF2-40B4-BE49-F238E27FC236}">
+                <a16:creationId xmlns:a16="http://schemas.microsoft.com/office/drawing/2014/main" id="{ECC78EEC-F5AF-445E-B56D-8EBB13957086}"/>
               </a:ext>
             </a:extLst>
           </p:cNvPr>
@@ -13994,8 +14677,8 @@
         </p:blipFill>
         <p:spPr>
           <a:xfrm>
-            <a:off x="1104458" y="5304814"/>
-            <a:ext cx="10245103" cy="1188061"/>
+            <a:off x="5663356" y="1758443"/>
+            <a:ext cx="6082326" cy="2833587"/>
           </a:xfrm>
           <a:prstGeom prst="rect">
             <a:avLst/>
@@ -14151,10 +14834,10 @@
       </p:sp>
       <p:pic>
         <p:nvPicPr>
-          <p:cNvPr id="3" name="Picture 2">
+          <p:cNvPr id="5" name="Picture 4">
             <a:extLst>
               <a:ext uri="{FF2B5EF4-FFF2-40B4-BE49-F238E27FC236}">
-                <a16:creationId xmlns:a16="http://schemas.microsoft.com/office/drawing/2014/main" id="{968D72A5-ED9C-4A48-B306-8C115884B9D0}"/>
+                <a16:creationId xmlns:a16="http://schemas.microsoft.com/office/drawing/2014/main" id="{90098EB7-BD36-4B90-9361-B1C7CC1D7B6A}"/>
               </a:ext>
             </a:extLst>
           </p:cNvPr>
@@ -14171,8 +14854,8 @@
         </p:blipFill>
         <p:spPr>
           <a:xfrm>
-            <a:off x="6234224" y="1562545"/>
-            <a:ext cx="5791202" cy="3014135"/>
+            <a:off x="166574" y="1562545"/>
+            <a:ext cx="5696745" cy="2572109"/>
           </a:xfrm>
           <a:prstGeom prst="rect">
             <a:avLst/>
@@ -14191,10 +14874,10 @@
       </p:pic>
       <p:pic>
         <p:nvPicPr>
-          <p:cNvPr id="4" name="Picture 3">
+          <p:cNvPr id="7" name="Picture 6">
             <a:extLst>
               <a:ext uri="{FF2B5EF4-FFF2-40B4-BE49-F238E27FC236}">
-                <a16:creationId xmlns:a16="http://schemas.microsoft.com/office/drawing/2014/main" id="{4D9EE55A-420E-4073-8316-3D7194881033}"/>
+                <a16:creationId xmlns:a16="http://schemas.microsoft.com/office/drawing/2014/main" id="{1D14094F-34F3-493C-900E-B23B9525A08D}"/>
               </a:ext>
             </a:extLst>
           </p:cNvPr>
@@ -14211,8 +14894,8 @@
         </p:blipFill>
         <p:spPr>
           <a:xfrm>
-            <a:off x="166575" y="1562545"/>
-            <a:ext cx="5791202" cy="2719973"/>
+            <a:off x="6549658" y="1562545"/>
+            <a:ext cx="5134692" cy="3381847"/>
           </a:xfrm>
           <a:prstGeom prst="rect">
             <a:avLst/>

--- a/Milestone02.pptx
+++ b/Milestone02.pptx
@@ -3585,7 +3585,7 @@
           <a:p>
             <a:fld id="{E6317E0B-A3D3-495C-A4A5-504BD0130225}" type="datetimeFigureOut">
               <a:rPr lang="en-CA" smtClean="0"/>
-              <a:t>2020-05-08</a:t>
+              <a:t>2020-05-09</a:t>
             </a:fld>
             <a:endParaRPr lang="en-CA"/>
           </a:p>
@@ -5701,7 +5701,7 @@
           <a:p>
             <a:fld id="{41214EFD-F6C2-4FF2-A372-B412D13DB261}" type="datetimeFigureOut">
               <a:rPr lang="en-CA" smtClean="0"/>
-              <a:t>2020-05-08</a:t>
+              <a:t>2020-05-09</a:t>
             </a:fld>
             <a:endParaRPr lang="en-CA"/>
           </a:p>
@@ -5901,7 +5901,7 @@
           <a:p>
             <a:fld id="{41214EFD-F6C2-4FF2-A372-B412D13DB261}" type="datetimeFigureOut">
               <a:rPr lang="en-CA" smtClean="0"/>
-              <a:t>2020-05-08</a:t>
+              <a:t>2020-05-09</a:t>
             </a:fld>
             <a:endParaRPr lang="en-CA"/>
           </a:p>
@@ -6111,7 +6111,7 @@
           <a:p>
             <a:fld id="{41214EFD-F6C2-4FF2-A372-B412D13DB261}" type="datetimeFigureOut">
               <a:rPr lang="en-CA" smtClean="0"/>
-              <a:t>2020-05-08</a:t>
+              <a:t>2020-05-09</a:t>
             </a:fld>
             <a:endParaRPr lang="en-CA"/>
           </a:p>
@@ -6311,7 +6311,7 @@
           <a:p>
             <a:fld id="{41214EFD-F6C2-4FF2-A372-B412D13DB261}" type="datetimeFigureOut">
               <a:rPr lang="en-CA" smtClean="0"/>
-              <a:t>2020-05-08</a:t>
+              <a:t>2020-05-09</a:t>
             </a:fld>
             <a:endParaRPr lang="en-CA"/>
           </a:p>
@@ -6587,7 +6587,7 @@
           <a:p>
             <a:fld id="{41214EFD-F6C2-4FF2-A372-B412D13DB261}" type="datetimeFigureOut">
               <a:rPr lang="en-CA" smtClean="0"/>
-              <a:t>2020-05-08</a:t>
+              <a:t>2020-05-09</a:t>
             </a:fld>
             <a:endParaRPr lang="en-CA"/>
           </a:p>
@@ -6855,7 +6855,7 @@
           <a:p>
             <a:fld id="{41214EFD-F6C2-4FF2-A372-B412D13DB261}" type="datetimeFigureOut">
               <a:rPr lang="en-CA" smtClean="0"/>
-              <a:t>2020-05-08</a:t>
+              <a:t>2020-05-09</a:t>
             </a:fld>
             <a:endParaRPr lang="en-CA"/>
           </a:p>
@@ -7270,7 +7270,7 @@
           <a:p>
             <a:fld id="{41214EFD-F6C2-4FF2-A372-B412D13DB261}" type="datetimeFigureOut">
               <a:rPr lang="en-CA" smtClean="0"/>
-              <a:t>2020-05-08</a:t>
+              <a:t>2020-05-09</a:t>
             </a:fld>
             <a:endParaRPr lang="en-CA"/>
           </a:p>
@@ -7412,7 +7412,7 @@
           <a:p>
             <a:fld id="{41214EFD-F6C2-4FF2-A372-B412D13DB261}" type="datetimeFigureOut">
               <a:rPr lang="en-CA" smtClean="0"/>
-              <a:t>2020-05-08</a:t>
+              <a:t>2020-05-09</a:t>
             </a:fld>
             <a:endParaRPr lang="en-CA"/>
           </a:p>
@@ -7525,7 +7525,7 @@
           <a:p>
             <a:fld id="{41214EFD-F6C2-4FF2-A372-B412D13DB261}" type="datetimeFigureOut">
               <a:rPr lang="en-CA" smtClean="0"/>
-              <a:t>2020-05-08</a:t>
+              <a:t>2020-05-09</a:t>
             </a:fld>
             <a:endParaRPr lang="en-CA"/>
           </a:p>
@@ -7838,7 +7838,7 @@
           <a:p>
             <a:fld id="{41214EFD-F6C2-4FF2-A372-B412D13DB261}" type="datetimeFigureOut">
               <a:rPr lang="en-CA" smtClean="0"/>
-              <a:t>2020-05-08</a:t>
+              <a:t>2020-05-09</a:t>
             </a:fld>
             <a:endParaRPr lang="en-CA"/>
           </a:p>
@@ -8127,7 +8127,7 @@
           <a:p>
             <a:fld id="{41214EFD-F6C2-4FF2-A372-B412D13DB261}" type="datetimeFigureOut">
               <a:rPr lang="en-CA" smtClean="0"/>
-              <a:t>2020-05-08</a:t>
+              <a:t>2020-05-09</a:t>
             </a:fld>
             <a:endParaRPr lang="en-CA"/>
           </a:p>
@@ -8370,7 +8370,7 @@
           <a:p>
             <a:fld id="{41214EFD-F6C2-4FF2-A372-B412D13DB261}" type="datetimeFigureOut">
               <a:rPr lang="en-CA" smtClean="0"/>
-              <a:t>2020-05-08</a:t>
+              <a:t>2020-05-09</a:t>
             </a:fld>
             <a:endParaRPr lang="en-CA"/>
           </a:p>
@@ -9460,8 +9460,8 @@
         </p:nvSpPr>
         <p:spPr>
           <a:xfrm flipH="1">
-            <a:off x="678139" y="3698425"/>
-            <a:ext cx="2574199" cy="923330"/>
+            <a:off x="456512" y="3685731"/>
+            <a:ext cx="2947537" cy="923330"/>
           </a:xfrm>
           <a:prstGeom prst="rect">
             <a:avLst/>
@@ -9476,15 +9476,7 @@
           <a:p>
             <a:r>
               <a:rPr lang="en-US" b="1" dirty="0"/>
-              <a:t>Random Forest </a:t>
-            </a:r>
-            <a:r>
-              <a:rPr lang="en-US" b="1" dirty="0" err="1"/>
-              <a:t>Classifer</a:t>
-            </a:r>
-            <a:r>
-              <a:rPr lang="en-US" b="1" dirty="0"/>
-              <a:t>:</a:t>
+              <a:t>Random Forest Classifier:</a:t>
             </a:r>
           </a:p>
           <a:p>
@@ -9494,7 +9486,7 @@
             </a:pPr>
             <a:r>
               <a:rPr lang="en-US" dirty="0"/>
-              <a:t>High Bias </a:t>
+              <a:t>Low Bias </a:t>
             </a:r>
           </a:p>
           <a:p>
@@ -9610,7 +9602,7 @@
             </a:pPr>
             <a:r>
               <a:rPr lang="en-US" dirty="0"/>
-              <a:t>Low Bias </a:t>
+              <a:t>Medium Bias </a:t>
             </a:r>
           </a:p>
           <a:p>
@@ -9620,7 +9612,7 @@
             </a:pPr>
             <a:r>
               <a:rPr lang="en-US" dirty="0"/>
-              <a:t>Medium Variance</a:t>
+              <a:t>Low Variance</a:t>
             </a:r>
             <a:endParaRPr lang="en-CA" dirty="0"/>
           </a:p>
@@ -9810,10 +9802,10 @@
       </p:sp>
       <p:sp>
         <p:nvSpPr>
-          <p:cNvPr id="6" name="TextBox 5">
+          <p:cNvPr id="15" name="TextBox 14">
             <a:extLst>
               <a:ext uri="{FF2B5EF4-FFF2-40B4-BE49-F238E27FC236}">
-                <a16:creationId xmlns:a16="http://schemas.microsoft.com/office/drawing/2014/main" id="{0AF18257-C5C6-42EE-A4CE-C1284D9BF962}"/>
+                <a16:creationId xmlns:a16="http://schemas.microsoft.com/office/drawing/2014/main" id="{717EA62E-1A3C-4B15-9134-5FF74506CCDA}"/>
               </a:ext>
             </a:extLst>
           </p:cNvPr>
@@ -9822,8 +9814,8 @@
         </p:nvSpPr>
         <p:spPr>
           <a:xfrm flipH="1">
-            <a:off x="563939" y="3696383"/>
-            <a:ext cx="2574199" cy="923330"/>
+            <a:off x="836515" y="4874040"/>
+            <a:ext cx="6292943" cy="923330"/>
           </a:xfrm>
           <a:prstGeom prst="rect">
             <a:avLst/>
@@ -9837,248 +9829,12 @@
           <a:lstStyle/>
           <a:p>
             <a:r>
-              <a:rPr lang="en-US" b="1" dirty="0"/>
-              <a:t>Random Forest </a:t>
-            </a:r>
-            <a:r>
-              <a:rPr lang="en-US" b="1" dirty="0" err="1"/>
-              <a:t>Classifer</a:t>
-            </a:r>
-            <a:r>
-              <a:rPr lang="en-US" b="1" dirty="0"/>
-              <a:t>:</a:t>
-            </a:r>
-          </a:p>
-          <a:p>
-            <a:pPr marL="285750" indent="-285750">
-              <a:buFont typeface="Arial" panose="020B0604020202020204" pitchFamily="34" charset="0"/>
-              <a:buChar char="•"/>
-            </a:pPr>
+              <a:rPr lang="en-US" b="1" u="sng" dirty="0"/>
+              <a:t>NOTE:</a:t>
+            </a:r>
             <a:r>
               <a:rPr lang="en-US" dirty="0"/>
-              <a:t>High Bias </a:t>
-            </a:r>
-          </a:p>
-          <a:p>
-            <a:pPr marL="285750" indent="-285750">
-              <a:buFont typeface="Arial" panose="020B0604020202020204" pitchFamily="34" charset="0"/>
-              <a:buChar char="•"/>
-            </a:pPr>
-            <a:r>
-              <a:rPr lang="en-US" dirty="0"/>
-              <a:t>Low Variance</a:t>
-            </a:r>
-            <a:endParaRPr lang="en-CA" dirty="0"/>
-          </a:p>
-        </p:txBody>
-      </p:sp>
-      <p:sp>
-        <p:nvSpPr>
-          <p:cNvPr id="7" name="TextBox 6">
-            <a:extLst>
-              <a:ext uri="{FF2B5EF4-FFF2-40B4-BE49-F238E27FC236}">
-                <a16:creationId xmlns:a16="http://schemas.microsoft.com/office/drawing/2014/main" id="{20A0AF3F-47B7-4510-9D96-9C22F5542429}"/>
-              </a:ext>
-            </a:extLst>
-          </p:cNvPr>
-          <p:cNvSpPr txBox="1"/>
-          <p:nvPr/>
-        </p:nvSpPr>
-        <p:spPr>
-          <a:xfrm flipH="1">
-            <a:off x="3756710" y="3708534"/>
-            <a:ext cx="2574199" cy="923330"/>
-          </a:xfrm>
-          <a:prstGeom prst="rect">
-            <a:avLst/>
-          </a:prstGeom>
-          <a:noFill/>
-        </p:spPr>
-        <p:txBody>
-          <a:bodyPr wrap="square" rtlCol="0">
-            <a:spAutoFit/>
-          </a:bodyPr>
-          <a:lstStyle/>
-          <a:p>
-            <a:r>
-              <a:rPr lang="en-US" b="1" dirty="0"/>
-              <a:t>Linear SVC:</a:t>
-            </a:r>
-          </a:p>
-          <a:p>
-            <a:pPr marL="285750" indent="-285750">
-              <a:buFont typeface="Arial" panose="020B0604020202020204" pitchFamily="34" charset="0"/>
-              <a:buChar char="•"/>
-            </a:pPr>
-            <a:r>
-              <a:rPr lang="en-US" dirty="0"/>
-              <a:t>Low Bias </a:t>
-            </a:r>
-          </a:p>
-          <a:p>
-            <a:pPr marL="285750" indent="-285750">
-              <a:buFont typeface="Arial" panose="020B0604020202020204" pitchFamily="34" charset="0"/>
-              <a:buChar char="•"/>
-            </a:pPr>
-            <a:r>
-              <a:rPr lang="en-US" dirty="0"/>
-              <a:t>High Variance</a:t>
-            </a:r>
-            <a:endParaRPr lang="en-CA" dirty="0"/>
-          </a:p>
-        </p:txBody>
-      </p:sp>
-      <p:sp>
-        <p:nvSpPr>
-          <p:cNvPr id="8" name="TextBox 7">
-            <a:extLst>
-              <a:ext uri="{FF2B5EF4-FFF2-40B4-BE49-F238E27FC236}">
-                <a16:creationId xmlns:a16="http://schemas.microsoft.com/office/drawing/2014/main" id="{7BD45E8C-E48D-47A4-BE82-37BD4B88CB66}"/>
-              </a:ext>
-            </a:extLst>
-          </p:cNvPr>
-          <p:cNvSpPr txBox="1"/>
-          <p:nvPr/>
-        </p:nvSpPr>
-        <p:spPr>
-          <a:xfrm flipH="1">
-            <a:off x="6645182" y="3708534"/>
-            <a:ext cx="2574199" cy="923330"/>
-          </a:xfrm>
-          <a:prstGeom prst="rect">
-            <a:avLst/>
-          </a:prstGeom>
-          <a:noFill/>
-        </p:spPr>
-        <p:txBody>
-          <a:bodyPr wrap="square" rtlCol="0">
-            <a:spAutoFit/>
-          </a:bodyPr>
-          <a:lstStyle/>
-          <a:p>
-            <a:r>
-              <a:rPr lang="en-US" b="1" dirty="0" err="1"/>
-              <a:t>MultinomialNB</a:t>
-            </a:r>
-            <a:r>
-              <a:rPr lang="en-US" b="1" dirty="0"/>
-              <a:t>:</a:t>
-            </a:r>
-          </a:p>
-          <a:p>
-            <a:pPr marL="285750" indent="-285750">
-              <a:buFont typeface="Arial" panose="020B0604020202020204" pitchFamily="34" charset="0"/>
-              <a:buChar char="•"/>
-            </a:pPr>
-            <a:r>
-              <a:rPr lang="en-US" dirty="0"/>
-              <a:t>Low Bias </a:t>
-            </a:r>
-          </a:p>
-          <a:p>
-            <a:pPr marL="285750" indent="-285750">
-              <a:buFont typeface="Arial" panose="020B0604020202020204" pitchFamily="34" charset="0"/>
-              <a:buChar char="•"/>
-            </a:pPr>
-            <a:r>
-              <a:rPr lang="en-US" dirty="0"/>
-              <a:t>Medium Variance</a:t>
-            </a:r>
-            <a:endParaRPr lang="en-CA" dirty="0"/>
-          </a:p>
-        </p:txBody>
-      </p:sp>
-      <p:sp>
-        <p:nvSpPr>
-          <p:cNvPr id="9" name="TextBox 8">
-            <a:extLst>
-              <a:ext uri="{FF2B5EF4-FFF2-40B4-BE49-F238E27FC236}">
-                <a16:creationId xmlns:a16="http://schemas.microsoft.com/office/drawing/2014/main" id="{392492F4-8441-4FB0-82B0-EAF08CC3278A}"/>
-              </a:ext>
-            </a:extLst>
-          </p:cNvPr>
-          <p:cNvSpPr txBox="1"/>
-          <p:nvPr/>
-        </p:nvSpPr>
-        <p:spPr>
-          <a:xfrm flipH="1">
-            <a:off x="9085220" y="3696383"/>
-            <a:ext cx="2574199" cy="923330"/>
-          </a:xfrm>
-          <a:prstGeom prst="rect">
-            <a:avLst/>
-          </a:prstGeom>
-          <a:noFill/>
-        </p:spPr>
-        <p:txBody>
-          <a:bodyPr wrap="square" rtlCol="0">
-            <a:spAutoFit/>
-          </a:bodyPr>
-          <a:lstStyle/>
-          <a:p>
-            <a:r>
-              <a:rPr lang="en-US" b="1" dirty="0"/>
-              <a:t>Logistic Regression:</a:t>
-            </a:r>
-          </a:p>
-          <a:p>
-            <a:pPr marL="285750" indent="-285750">
-              <a:buFont typeface="Arial" panose="020B0604020202020204" pitchFamily="34" charset="0"/>
-              <a:buChar char="•"/>
-            </a:pPr>
-            <a:r>
-              <a:rPr lang="en-US" dirty="0"/>
-              <a:t>Low Bias </a:t>
-            </a:r>
-          </a:p>
-          <a:p>
-            <a:pPr marL="285750" indent="-285750">
-              <a:buFont typeface="Arial" panose="020B0604020202020204" pitchFamily="34" charset="0"/>
-              <a:buChar char="•"/>
-            </a:pPr>
-            <a:r>
-              <a:rPr lang="en-US" dirty="0"/>
-              <a:t>Medium Variance</a:t>
-            </a:r>
-            <a:endParaRPr lang="en-CA" dirty="0"/>
-          </a:p>
-        </p:txBody>
-      </p:sp>
-      <p:sp>
-        <p:nvSpPr>
-          <p:cNvPr id="15" name="TextBox 14">
-            <a:extLst>
-              <a:ext uri="{FF2B5EF4-FFF2-40B4-BE49-F238E27FC236}">
-                <a16:creationId xmlns:a16="http://schemas.microsoft.com/office/drawing/2014/main" id="{717EA62E-1A3C-4B15-9134-5FF74506CCDA}"/>
-              </a:ext>
-            </a:extLst>
-          </p:cNvPr>
-          <p:cNvSpPr txBox="1"/>
-          <p:nvPr/>
-        </p:nvSpPr>
-        <p:spPr>
-          <a:xfrm flipH="1">
-            <a:off x="1122265" y="5093115"/>
-            <a:ext cx="6292943" cy="1200329"/>
-          </a:xfrm>
-          <a:prstGeom prst="rect">
-            <a:avLst/>
-          </a:prstGeom>
-          <a:noFill/>
-        </p:spPr>
-        <p:txBody>
-          <a:bodyPr wrap="square" rtlCol="0">
-            <a:spAutoFit/>
-          </a:bodyPr>
-          <a:lstStyle/>
-          <a:p>
-            <a:r>
-              <a:rPr lang="en-US" b="1" u="sng" dirty="0"/>
-              <a:t>NOTE: </a:t>
-            </a:r>
-            <a:r>
-              <a:rPr lang="en-US" dirty="0"/>
-              <a:t>The training and test curves are starting to converge after increasing our sample size and modifying the weight of the samples taken on each class to boost the higher error rate classes.</a:t>
+              <a:t>  The training and test curves are starting to converge after reducing the number of classes and modifying the weights of the samples taken on each class to balance the classes.</a:t>
             </a:r>
             <a:endParaRPr lang="en-CA" dirty="0"/>
           </a:p>
@@ -10144,6 +9900,234 @@
           </a:prstGeom>
         </p:spPr>
       </p:pic>
+      <p:sp>
+        <p:nvSpPr>
+          <p:cNvPr id="10" name="TextBox 9">
+            <a:extLst>
+              <a:ext uri="{FF2B5EF4-FFF2-40B4-BE49-F238E27FC236}">
+                <a16:creationId xmlns:a16="http://schemas.microsoft.com/office/drawing/2014/main" id="{D8937DD5-2CD7-4660-B22F-A72E20ACD6EE}"/>
+              </a:ext>
+            </a:extLst>
+          </p:cNvPr>
+          <p:cNvSpPr txBox="1"/>
+          <p:nvPr/>
+        </p:nvSpPr>
+        <p:spPr>
+          <a:xfrm flipH="1">
+            <a:off x="456512" y="3685731"/>
+            <a:ext cx="2947537" cy="923330"/>
+          </a:xfrm>
+          <a:prstGeom prst="rect">
+            <a:avLst/>
+          </a:prstGeom>
+          <a:noFill/>
+        </p:spPr>
+        <p:txBody>
+          <a:bodyPr wrap="square" rtlCol="0">
+            <a:spAutoFit/>
+          </a:bodyPr>
+          <a:lstStyle/>
+          <a:p>
+            <a:r>
+              <a:rPr lang="en-US" b="1" dirty="0"/>
+              <a:t>Random Forest Classifier:</a:t>
+            </a:r>
+          </a:p>
+          <a:p>
+            <a:pPr marL="285750" indent="-285750">
+              <a:buFont typeface="Arial" panose="020B0604020202020204" pitchFamily="34" charset="0"/>
+              <a:buChar char="•"/>
+            </a:pPr>
+            <a:r>
+              <a:rPr lang="en-US" dirty="0"/>
+              <a:t>Low Bias </a:t>
+            </a:r>
+          </a:p>
+          <a:p>
+            <a:pPr marL="285750" indent="-285750">
+              <a:buFont typeface="Arial" panose="020B0604020202020204" pitchFamily="34" charset="0"/>
+              <a:buChar char="•"/>
+            </a:pPr>
+            <a:r>
+              <a:rPr lang="en-US" dirty="0"/>
+              <a:t>Low Variance</a:t>
+            </a:r>
+            <a:endParaRPr lang="en-CA" dirty="0"/>
+          </a:p>
+        </p:txBody>
+      </p:sp>
+      <p:sp>
+        <p:nvSpPr>
+          <p:cNvPr id="11" name="TextBox 10">
+            <a:extLst>
+              <a:ext uri="{FF2B5EF4-FFF2-40B4-BE49-F238E27FC236}">
+                <a16:creationId xmlns:a16="http://schemas.microsoft.com/office/drawing/2014/main" id="{B28EF059-17BA-4853-A364-7228B932BD57}"/>
+              </a:ext>
+            </a:extLst>
+          </p:cNvPr>
+          <p:cNvSpPr txBox="1"/>
+          <p:nvPr/>
+        </p:nvSpPr>
+        <p:spPr>
+          <a:xfrm flipH="1">
+            <a:off x="3555759" y="3698425"/>
+            <a:ext cx="2236820" cy="923330"/>
+          </a:xfrm>
+          <a:prstGeom prst="rect">
+            <a:avLst/>
+          </a:prstGeom>
+          <a:noFill/>
+        </p:spPr>
+        <p:txBody>
+          <a:bodyPr wrap="square" rtlCol="0">
+            <a:spAutoFit/>
+          </a:bodyPr>
+          <a:lstStyle/>
+          <a:p>
+            <a:r>
+              <a:rPr lang="en-US" b="1" dirty="0"/>
+              <a:t>Linear SVC:</a:t>
+            </a:r>
+          </a:p>
+          <a:p>
+            <a:pPr marL="285750" indent="-285750">
+              <a:buFont typeface="Arial" panose="020B0604020202020204" pitchFamily="34" charset="0"/>
+              <a:buChar char="•"/>
+            </a:pPr>
+            <a:r>
+              <a:rPr lang="en-US" dirty="0"/>
+              <a:t>Low Bias </a:t>
+            </a:r>
+          </a:p>
+          <a:p>
+            <a:pPr marL="285750" indent="-285750">
+              <a:buFont typeface="Arial" panose="020B0604020202020204" pitchFamily="34" charset="0"/>
+              <a:buChar char="•"/>
+            </a:pPr>
+            <a:r>
+              <a:rPr lang="en-US" dirty="0"/>
+              <a:t>High Variance</a:t>
+            </a:r>
+            <a:endParaRPr lang="en-CA" dirty="0"/>
+          </a:p>
+        </p:txBody>
+      </p:sp>
+      <p:sp>
+        <p:nvSpPr>
+          <p:cNvPr id="12" name="TextBox 11">
+            <a:extLst>
+              <a:ext uri="{FF2B5EF4-FFF2-40B4-BE49-F238E27FC236}">
+                <a16:creationId xmlns:a16="http://schemas.microsoft.com/office/drawing/2014/main" id="{8AFD6665-A63C-4DA6-A981-51F583855C26}"/>
+              </a:ext>
+            </a:extLst>
+          </p:cNvPr>
+          <p:cNvSpPr txBox="1"/>
+          <p:nvPr/>
+        </p:nvSpPr>
+        <p:spPr>
+          <a:xfrm flipH="1">
+            <a:off x="6584853" y="3698425"/>
+            <a:ext cx="2574199" cy="923330"/>
+          </a:xfrm>
+          <a:prstGeom prst="rect">
+            <a:avLst/>
+          </a:prstGeom>
+          <a:noFill/>
+        </p:spPr>
+        <p:txBody>
+          <a:bodyPr wrap="square" rtlCol="0">
+            <a:spAutoFit/>
+          </a:bodyPr>
+          <a:lstStyle/>
+          <a:p>
+            <a:r>
+              <a:rPr lang="en-US" b="1" dirty="0" err="1"/>
+              <a:t>MultinomialNB</a:t>
+            </a:r>
+            <a:r>
+              <a:rPr lang="en-US" b="1" dirty="0"/>
+              <a:t>:</a:t>
+            </a:r>
+          </a:p>
+          <a:p>
+            <a:pPr marL="285750" indent="-285750">
+              <a:buFont typeface="Arial" panose="020B0604020202020204" pitchFamily="34" charset="0"/>
+              <a:buChar char="•"/>
+            </a:pPr>
+            <a:r>
+              <a:rPr lang="en-US" dirty="0"/>
+              <a:t>Medium Bias </a:t>
+            </a:r>
+          </a:p>
+          <a:p>
+            <a:pPr marL="285750" indent="-285750">
+              <a:buFont typeface="Arial" panose="020B0604020202020204" pitchFamily="34" charset="0"/>
+              <a:buChar char="•"/>
+            </a:pPr>
+            <a:r>
+              <a:rPr lang="en-US" dirty="0"/>
+              <a:t>Low Variance</a:t>
+            </a:r>
+            <a:endParaRPr lang="en-CA" dirty="0"/>
+          </a:p>
+        </p:txBody>
+      </p:sp>
+      <p:sp>
+        <p:nvSpPr>
+          <p:cNvPr id="13" name="TextBox 12">
+            <a:extLst>
+              <a:ext uri="{FF2B5EF4-FFF2-40B4-BE49-F238E27FC236}">
+                <a16:creationId xmlns:a16="http://schemas.microsoft.com/office/drawing/2014/main" id="{EC2CF21C-7857-4797-BC6A-EC0A432815A2}"/>
+              </a:ext>
+            </a:extLst>
+          </p:cNvPr>
+          <p:cNvSpPr txBox="1"/>
+          <p:nvPr/>
+        </p:nvSpPr>
+        <p:spPr>
+          <a:xfrm flipH="1">
+            <a:off x="9462473" y="3698425"/>
+            <a:ext cx="2574199" cy="923330"/>
+          </a:xfrm>
+          <a:prstGeom prst="rect">
+            <a:avLst/>
+          </a:prstGeom>
+          <a:noFill/>
+        </p:spPr>
+        <p:txBody>
+          <a:bodyPr wrap="square" rtlCol="0">
+            <a:spAutoFit/>
+          </a:bodyPr>
+          <a:lstStyle/>
+          <a:p>
+            <a:r>
+              <a:rPr lang="en-US" b="1" dirty="0"/>
+              <a:t>Logistic Regression:</a:t>
+            </a:r>
+          </a:p>
+          <a:p>
+            <a:pPr marL="285750" indent="-285750">
+              <a:buFont typeface="Arial" panose="020B0604020202020204" pitchFamily="34" charset="0"/>
+              <a:buChar char="•"/>
+            </a:pPr>
+            <a:r>
+              <a:rPr lang="en-US" dirty="0"/>
+              <a:t>Low Bias </a:t>
+            </a:r>
+          </a:p>
+          <a:p>
+            <a:pPr marL="285750" indent="-285750">
+              <a:buFont typeface="Arial" panose="020B0604020202020204" pitchFamily="34" charset="0"/>
+              <a:buChar char="•"/>
+            </a:pPr>
+            <a:r>
+              <a:rPr lang="en-US" dirty="0"/>
+              <a:t>Medium Variance</a:t>
+            </a:r>
+            <a:endParaRPr lang="en-CA" dirty="0"/>
+          </a:p>
+        </p:txBody>
+      </p:sp>
     </p:spTree>
     <p:extLst>
       <p:ext uri="{BB962C8B-B14F-4D97-AF65-F5344CB8AC3E}">
@@ -10347,21 +10331,21 @@
         </p:nvSpPr>
         <p:spPr>
           <a:xfrm>
-            <a:off x="266699" y="176180"/>
-            <a:ext cx="9423401" cy="725520"/>
+            <a:off x="266700" y="176180"/>
+            <a:ext cx="6115050" cy="725520"/>
           </a:xfrm>
         </p:spPr>
         <p:txBody>
           <a:bodyPr>
-            <a:normAutofit/>
+            <a:noAutofit/>
           </a:bodyPr>
           <a:lstStyle/>
           <a:p>
             <a:r>
-              <a:rPr lang="en-US" b="1" dirty="0"/>
+              <a:rPr lang="en-US" sz="3600" b="1" dirty="0"/>
               <a:t>5a. Ensemble Learning – Bagging </a:t>
             </a:r>
-            <a:endParaRPr lang="en-CA" b="1" dirty="0"/>
+            <a:endParaRPr lang="en-CA" sz="3600" b="1" dirty="0"/>
           </a:p>
         </p:txBody>
       </p:sp>
@@ -10379,7 +10363,7 @@
         </p:nvSpPr>
         <p:spPr>
           <a:xfrm flipH="1">
-            <a:off x="1459237" y="6229128"/>
+            <a:off x="1082676" y="5324475"/>
             <a:ext cx="3644899" cy="369332"/>
           </a:xfrm>
           <a:prstGeom prst="rect">
@@ -10415,7 +10399,7 @@
         </p:nvSpPr>
         <p:spPr>
           <a:xfrm flipH="1">
-            <a:off x="7087865" y="6229128"/>
+            <a:off x="6944990" y="5324475"/>
             <a:ext cx="4164334" cy="369332"/>
           </a:xfrm>
           <a:prstGeom prst="rect">
@@ -10431,7 +10415,7 @@
           <a:p>
             <a:r>
               <a:rPr lang="en-US" b="1" dirty="0"/>
-              <a:t>Cross-Validation Score by Ensemble Size</a:t>
+              <a:t>F1-Score Weighted by Ensemble Size</a:t>
             </a:r>
             <a:endParaRPr lang="en-CA" b="1" dirty="0"/>
           </a:p>
@@ -10459,8 +10443,8 @@
         </p:blipFill>
         <p:spPr>
           <a:xfrm>
-            <a:off x="266700" y="899755"/>
-            <a:ext cx="5560996" cy="5387005"/>
+            <a:off x="266700" y="742950"/>
+            <a:ext cx="4729499" cy="4581524"/>
           </a:xfrm>
           <a:prstGeom prst="rect">
             <a:avLst/>
@@ -10489,8 +10473,78 @@
         </p:blipFill>
         <p:spPr>
           <a:xfrm>
-            <a:off x="6096000" y="899755"/>
-            <a:ext cx="5560996" cy="5319505"/>
+            <a:off x="6174420" y="742951"/>
+            <a:ext cx="4789513" cy="4581524"/>
+          </a:xfrm>
+          <a:prstGeom prst="rect">
+            <a:avLst/>
+          </a:prstGeom>
+        </p:spPr>
+      </p:pic>
+      <p:pic>
+        <p:nvPicPr>
+          <p:cNvPr id="5" name="Picture 4">
+            <a:extLst>
+              <a:ext uri="{FF2B5EF4-FFF2-40B4-BE49-F238E27FC236}">
+                <a16:creationId xmlns:a16="http://schemas.microsoft.com/office/drawing/2014/main" id="{851F418F-C7D8-4852-BF5E-57D903AC3FCE}"/>
+              </a:ext>
+            </a:extLst>
+          </p:cNvPr>
+          <p:cNvPicPr>
+            <a:picLocks noChangeAspect="1"/>
+          </p:cNvPicPr>
+          <p:nvPr/>
+        </p:nvPicPr>
+        <p:blipFill>
+          <a:blip r:embed="rId5"/>
+          <a:stretch>
+            <a:fillRect/>
+          </a:stretch>
+        </p:blipFill>
+        <p:spPr>
+          <a:xfrm>
+            <a:off x="3025626" y="5930348"/>
+            <a:ext cx="5543550" cy="808622"/>
+          </a:xfrm>
+          <a:prstGeom prst="rect">
+            <a:avLst/>
+          </a:prstGeom>
+          <a:ln>
+            <a:noFill/>
+          </a:ln>
+          <a:effectLst>
+            <a:outerShdw blurRad="292100" dist="139700" dir="2700000" algn="tl" rotWithShape="0">
+              <a:srgbClr val="333333">
+                <a:alpha val="65000"/>
+              </a:srgbClr>
+            </a:outerShdw>
+          </a:effectLst>
+        </p:spPr>
+      </p:pic>
+      <p:pic>
+        <p:nvPicPr>
+          <p:cNvPr id="9" name="Picture 8">
+            <a:extLst>
+              <a:ext uri="{FF2B5EF4-FFF2-40B4-BE49-F238E27FC236}">
+                <a16:creationId xmlns:a16="http://schemas.microsoft.com/office/drawing/2014/main" id="{C8846DDF-6C9B-440C-9F65-C6BA1E2FD7FB}"/>
+              </a:ext>
+            </a:extLst>
+          </p:cNvPr>
+          <p:cNvPicPr>
+            <a:picLocks noChangeAspect="1"/>
+          </p:cNvPicPr>
+          <p:nvPr/>
+        </p:nvPicPr>
+        <p:blipFill>
+          <a:blip r:embed="rId6"/>
+          <a:stretch>
+            <a:fillRect/>
+          </a:stretch>
+        </p:blipFill>
+        <p:spPr>
+          <a:xfrm>
+            <a:off x="3095628" y="5771600"/>
+            <a:ext cx="5429248" cy="216840"/>
           </a:xfrm>
           <a:prstGeom prst="rect">
             <a:avLst/>
@@ -10556,10 +10610,10 @@
           <a:lstStyle/>
           <a:p>
             <a:r>
-              <a:rPr lang="en-US" b="1" dirty="0"/>
+              <a:rPr lang="en-US" sz="3600" b="1" dirty="0"/>
               <a:t>5b. Ensemble Learning – Boosting </a:t>
             </a:r>
-            <a:endParaRPr lang="en-CA" b="1" dirty="0"/>
+            <a:endParaRPr lang="en-CA" sz="3600" b="1" dirty="0"/>
           </a:p>
         </p:txBody>
       </p:sp>
@@ -10577,7 +10631,7 @@
         </p:nvSpPr>
         <p:spPr>
           <a:xfrm flipH="1">
-            <a:off x="1676399" y="6229128"/>
+            <a:off x="1085849" y="5298080"/>
             <a:ext cx="3644899" cy="369332"/>
           </a:xfrm>
           <a:prstGeom prst="rect">
@@ -10613,7 +10667,7 @@
         </p:nvSpPr>
         <p:spPr>
           <a:xfrm flipH="1">
-            <a:off x="7087866" y="6229128"/>
+            <a:off x="7113267" y="5298080"/>
             <a:ext cx="3897633" cy="369332"/>
           </a:xfrm>
           <a:prstGeom prst="rect">
@@ -10657,8 +10711,8 @@
         </p:blipFill>
         <p:spPr>
           <a:xfrm>
-            <a:off x="266699" y="901138"/>
-            <a:ext cx="5624355" cy="5399926"/>
+            <a:off x="266700" y="901138"/>
+            <a:ext cx="4572000" cy="4389564"/>
           </a:xfrm>
           <a:prstGeom prst="rect">
             <a:avLst/>
@@ -10687,8 +10741,78 @@
         </p:blipFill>
         <p:spPr>
           <a:xfrm>
-            <a:off x="6096000" y="880247"/>
-            <a:ext cx="5535748" cy="5327990"/>
+            <a:off x="6438900" y="861019"/>
+            <a:ext cx="4572000" cy="4400412"/>
+          </a:xfrm>
+          <a:prstGeom prst="rect">
+            <a:avLst/>
+          </a:prstGeom>
+        </p:spPr>
+      </p:pic>
+      <p:pic>
+        <p:nvPicPr>
+          <p:cNvPr id="3" name="Picture 2">
+            <a:extLst>
+              <a:ext uri="{FF2B5EF4-FFF2-40B4-BE49-F238E27FC236}">
+                <a16:creationId xmlns:a16="http://schemas.microsoft.com/office/drawing/2014/main" id="{C9086705-FCF6-4B41-A147-AA9356470DFD}"/>
+              </a:ext>
+            </a:extLst>
+          </p:cNvPr>
+          <p:cNvPicPr>
+            <a:picLocks noChangeAspect="1"/>
+          </p:cNvPicPr>
+          <p:nvPr/>
+        </p:nvPicPr>
+        <p:blipFill>
+          <a:blip r:embed="rId5"/>
+          <a:stretch>
+            <a:fillRect/>
+          </a:stretch>
+        </p:blipFill>
+        <p:spPr>
+          <a:xfrm>
+            <a:off x="3057755" y="5946270"/>
+            <a:ext cx="5667145" cy="858941"/>
+          </a:xfrm>
+          <a:prstGeom prst="rect">
+            <a:avLst/>
+          </a:prstGeom>
+          <a:ln>
+            <a:noFill/>
+          </a:ln>
+          <a:effectLst>
+            <a:outerShdw blurRad="292100" dist="139700" dir="2700000" algn="tl" rotWithShape="0">
+              <a:srgbClr val="333333">
+                <a:alpha val="65000"/>
+              </a:srgbClr>
+            </a:outerShdw>
+          </a:effectLst>
+        </p:spPr>
+      </p:pic>
+      <p:pic>
+        <p:nvPicPr>
+          <p:cNvPr id="9" name="Picture 8">
+            <a:extLst>
+              <a:ext uri="{FF2B5EF4-FFF2-40B4-BE49-F238E27FC236}">
+                <a16:creationId xmlns:a16="http://schemas.microsoft.com/office/drawing/2014/main" id="{52EE1429-364D-40DC-99A5-27EA053BE839}"/>
+              </a:ext>
+            </a:extLst>
+          </p:cNvPr>
+          <p:cNvPicPr>
+            <a:picLocks noChangeAspect="1"/>
+          </p:cNvPicPr>
+          <p:nvPr/>
+        </p:nvPicPr>
+        <p:blipFill>
+          <a:blip r:embed="rId6"/>
+          <a:stretch>
+            <a:fillRect/>
+          </a:stretch>
+        </p:blipFill>
+        <p:spPr>
+          <a:xfrm>
+            <a:off x="3076575" y="5771600"/>
+            <a:ext cx="5638799" cy="216840"/>
           </a:xfrm>
           <a:prstGeom prst="rect">
             <a:avLst/>
@@ -10775,7 +10899,7 @@
         </p:nvSpPr>
         <p:spPr>
           <a:xfrm flipH="1">
-            <a:off x="1749779" y="5113572"/>
+            <a:off x="1127478" y="4946833"/>
             <a:ext cx="3644899" cy="369332"/>
           </a:xfrm>
           <a:prstGeom prst="rect">
@@ -10811,8 +10935,8 @@
         </p:nvSpPr>
         <p:spPr>
           <a:xfrm flipH="1">
-            <a:off x="7674328" y="5113572"/>
-            <a:ext cx="3644899" cy="646331"/>
+            <a:off x="7058025" y="4946833"/>
+            <a:ext cx="4204052" cy="369332"/>
           </a:xfrm>
           <a:prstGeom prst="rect">
             <a:avLst/>
@@ -10896,8 +11020,8 @@
         </p:blipFill>
         <p:spPr>
           <a:xfrm>
-            <a:off x="6300432" y="1542125"/>
-            <a:ext cx="5096586" cy="3467584"/>
+            <a:off x="6131277" y="1352119"/>
+            <a:ext cx="5283439" cy="3594714"/>
           </a:xfrm>
           <a:prstGeom prst="rect">
             <a:avLst/>
@@ -10926,8 +11050,77 @@
         </p:blipFill>
         <p:spPr>
           <a:xfrm>
-            <a:off x="1119198" y="1613572"/>
-            <a:ext cx="4906060" cy="3324689"/>
+            <a:off x="233373" y="1352119"/>
+            <a:ext cx="5412010" cy="3667556"/>
+          </a:xfrm>
+          <a:prstGeom prst="rect">
+            <a:avLst/>
+          </a:prstGeom>
+        </p:spPr>
+      </p:pic>
+      <p:pic>
+        <p:nvPicPr>
+          <p:cNvPr id="5" name="Picture 4">
+            <a:extLst>
+              <a:ext uri="{FF2B5EF4-FFF2-40B4-BE49-F238E27FC236}">
+                <a16:creationId xmlns:a16="http://schemas.microsoft.com/office/drawing/2014/main" id="{0C0A740D-907F-43F6-8F74-E38C6A2A34B8}"/>
+              </a:ext>
+            </a:extLst>
+          </p:cNvPr>
+          <p:cNvPicPr>
+            <a:picLocks noChangeAspect="1"/>
+          </p:cNvPicPr>
+          <p:nvPr/>
+        </p:nvPicPr>
+        <p:blipFill rotWithShape="1">
+          <a:blip r:embed="rId5"/>
+          <a:srcRect b="3026"/>
+          <a:stretch/>
+        </p:blipFill>
+        <p:spPr>
+          <a:xfrm>
+            <a:off x="2447773" y="5656781"/>
+            <a:ext cx="7049005" cy="590459"/>
+          </a:xfrm>
+          <a:prstGeom prst="rect">
+            <a:avLst/>
+          </a:prstGeom>
+          <a:ln>
+            <a:noFill/>
+          </a:ln>
+          <a:effectLst>
+            <a:outerShdw blurRad="292100" dist="139700" dir="2700000" algn="tl" rotWithShape="0">
+              <a:srgbClr val="333333">
+                <a:alpha val="65000"/>
+              </a:srgbClr>
+            </a:outerShdw>
+          </a:effectLst>
+        </p:spPr>
+      </p:pic>
+      <p:pic>
+        <p:nvPicPr>
+          <p:cNvPr id="9" name="Picture 8">
+            <a:extLst>
+              <a:ext uri="{FF2B5EF4-FFF2-40B4-BE49-F238E27FC236}">
+                <a16:creationId xmlns:a16="http://schemas.microsoft.com/office/drawing/2014/main" id="{DAA26C68-629B-4EFD-91EB-DD01480F8FDA}"/>
+              </a:ext>
+            </a:extLst>
+          </p:cNvPr>
+          <p:cNvPicPr>
+            <a:picLocks noChangeAspect="1"/>
+          </p:cNvPicPr>
+          <p:nvPr/>
+        </p:nvPicPr>
+        <p:blipFill>
+          <a:blip r:embed="rId6"/>
+          <a:stretch>
+            <a:fillRect/>
+          </a:stretch>
+        </p:blipFill>
+        <p:spPr>
+          <a:xfrm>
+            <a:off x="2419594" y="5445328"/>
+            <a:ext cx="7077184" cy="303417"/>
           </a:xfrm>
           <a:prstGeom prst="rect">
             <a:avLst/>
@@ -11034,10 +11227,10 @@
       </p:pic>
       <p:pic>
         <p:nvPicPr>
-          <p:cNvPr id="5" name="Picture 4">
+          <p:cNvPr id="6" name="Picture 5">
             <a:extLst>
               <a:ext uri="{FF2B5EF4-FFF2-40B4-BE49-F238E27FC236}">
-                <a16:creationId xmlns:a16="http://schemas.microsoft.com/office/drawing/2014/main" id="{077B27E9-9EFB-4B67-93DD-135308657D31}"/>
+                <a16:creationId xmlns:a16="http://schemas.microsoft.com/office/drawing/2014/main" id="{3BD22299-BB18-4969-880A-722304E75AD3}"/>
               </a:ext>
             </a:extLst>
           </p:cNvPr>
@@ -11054,8 +11247,38 @@
         </p:blipFill>
         <p:spPr>
           <a:xfrm>
-            <a:off x="3102141" y="5063356"/>
-            <a:ext cx="5117934" cy="736142"/>
+            <a:off x="6095999" y="901968"/>
+            <a:ext cx="5509001" cy="3679557"/>
+          </a:xfrm>
+          <a:prstGeom prst="rect">
+            <a:avLst/>
+          </a:prstGeom>
+        </p:spPr>
+      </p:pic>
+      <p:pic>
+        <p:nvPicPr>
+          <p:cNvPr id="3" name="Picture 2">
+            <a:extLst>
+              <a:ext uri="{FF2B5EF4-FFF2-40B4-BE49-F238E27FC236}">
+                <a16:creationId xmlns:a16="http://schemas.microsoft.com/office/drawing/2014/main" id="{0C7F9453-FABE-4C62-9DD6-F7F0A0252711}"/>
+              </a:ext>
+            </a:extLst>
+          </p:cNvPr>
+          <p:cNvPicPr>
+            <a:picLocks noChangeAspect="1"/>
+          </p:cNvPicPr>
+          <p:nvPr/>
+        </p:nvPicPr>
+        <p:blipFill>
+          <a:blip r:embed="rId5"/>
+          <a:stretch>
+            <a:fillRect/>
+          </a:stretch>
+        </p:blipFill>
+        <p:spPr>
+          <a:xfrm>
+            <a:off x="2042672" y="5417007"/>
+            <a:ext cx="7783755" cy="879017"/>
           </a:xfrm>
           <a:prstGeom prst="rect">
             <a:avLst/>
@@ -11074,10 +11297,10 @@
       </p:pic>
       <p:pic>
         <p:nvPicPr>
-          <p:cNvPr id="6" name="Picture 5">
+          <p:cNvPr id="4" name="Picture 3">
             <a:extLst>
               <a:ext uri="{FF2B5EF4-FFF2-40B4-BE49-F238E27FC236}">
-                <a16:creationId xmlns:a16="http://schemas.microsoft.com/office/drawing/2014/main" id="{3BD22299-BB18-4969-880A-722304E75AD3}"/>
+                <a16:creationId xmlns:a16="http://schemas.microsoft.com/office/drawing/2014/main" id="{CD134CB4-E6EA-4B7F-9E18-15058F9B9E2E}"/>
               </a:ext>
             </a:extLst>
           </p:cNvPr>
@@ -11087,15 +11310,15 @@
           <p:nvPr/>
         </p:nvPicPr>
         <p:blipFill>
-          <a:blip r:embed="rId5"/>
+          <a:blip r:embed="rId6"/>
           <a:stretch>
             <a:fillRect/>
           </a:stretch>
         </p:blipFill>
         <p:spPr>
           <a:xfrm>
-            <a:off x="6095999" y="901968"/>
-            <a:ext cx="5509001" cy="3679557"/>
+            <a:off x="2080772" y="5167042"/>
+            <a:ext cx="7688067" cy="330944"/>
           </a:xfrm>
           <a:prstGeom prst="rect">
             <a:avLst/>
@@ -11219,16 +11442,15 @@
           </p:cNvPicPr>
           <p:nvPr/>
         </p:nvPicPr>
-        <p:blipFill>
+        <p:blipFill rotWithShape="1">
           <a:blip r:embed="rId4"/>
-          <a:stretch>
-            <a:fillRect/>
-          </a:stretch>
+          <a:srcRect t="17353" r="748" b="14440"/>
+          <a:stretch/>
         </p:blipFill>
         <p:spPr>
           <a:xfrm>
-            <a:off x="1152097" y="6080287"/>
-            <a:ext cx="10192178" cy="474791"/>
+            <a:off x="1152097" y="6162676"/>
+            <a:ext cx="10115978" cy="323849"/>
           </a:xfrm>
           <a:prstGeom prst="rect">
             <a:avLst/>
@@ -14451,13 +14673,13 @@
         </p:spPr>
         <p:txBody>
           <a:bodyPr>
-            <a:normAutofit fontScale="90000"/>
+            <a:normAutofit/>
           </a:bodyPr>
           <a:lstStyle/>
           <a:p>
             <a:r>
               <a:rPr lang="en-US" b="1" dirty="0"/>
-              <a:t>1. Baseline – Models Benchmark - Bag of Words</a:t>
+              <a:t>1a. Best Features Selected - Bag of Words</a:t>
             </a:r>
             <a:endParaRPr lang="en-CA" b="1" dirty="0"/>
           </a:p>
@@ -14755,7 +14977,7 @@
           <a:p>
             <a:r>
               <a:rPr lang="en-US" b="1" dirty="0"/>
-              <a:t>1. Models Benchmark Comparison</a:t>
+              <a:t>1b. Models Baseline Benchmark Comparison</a:t>
             </a:r>
             <a:endParaRPr lang="en-CA" b="1" dirty="0"/>
           </a:p>

--- a/Milestone02.pptx
+++ b/Milestone02.pptx
@@ -10878,10 +10878,10 @@
           <a:lstStyle/>
           <a:p>
             <a:r>
-              <a:rPr lang="en-US" b="1" dirty="0"/>
+              <a:rPr lang="en-US" sz="4000" b="1" dirty="0"/>
               <a:t>5c. Ensemble Learning – Stacking </a:t>
             </a:r>
-            <a:endParaRPr lang="en-CA" b="1" dirty="0"/>
+            <a:endParaRPr lang="en-CA" sz="4000" b="1" dirty="0"/>
           </a:p>
         </p:txBody>
       </p:sp>
@@ -11186,10 +11186,10 @@
           <a:lstStyle/>
           <a:p>
             <a:r>
-              <a:rPr lang="en-US" b="1" dirty="0"/>
-              <a:t>5d. Voting Classifier</a:t>
-            </a:r>
-            <a:endParaRPr lang="en-CA" b="1" dirty="0"/>
+              <a:rPr lang="en-US" sz="3600" b="1" dirty="0"/>
+              <a:t>5d. Ensemble Learning - Voting</a:t>
+            </a:r>
+            <a:endParaRPr lang="en-CA" sz="3600" b="1" dirty="0"/>
           </a:p>
         </p:txBody>
       </p:sp>
